--- a/src/main/resources/pptModel/template.pptx
+++ b/src/main/resources/pptModel/template.pptx
@@ -8,6 +8,7 @@
     <p:sldId id="256" r:id="rId2"/>
     <p:sldId id="257" r:id="rId3"/>
     <p:sldId id="258" r:id="rId4"/>
+    <p:sldId id="259" r:id="rId5"/>
   </p:sldIdLst>
   <p:sldSz cx="12192000" cy="6858000"/>
   <p:notesSz cx="6858000" cy="9144000"/>
@@ -114,6 +115,18 @@
 </p:presentation>
 </file>
 
+<file path=ppt/commentAuthors.xml><?xml version="1.0" encoding="utf-8"?>
+<p:cmAuthorLst xmlns:a="http://schemas.openxmlformats.org/drawingml/2006/main" xmlns:r="http://schemas.openxmlformats.org/officeDocument/2006/relationships" xmlns:p="http://schemas.openxmlformats.org/presentationml/2006/main">
+  <p:cmAuthor id="1" name="李 存志" initials="李" lastIdx="1" clrIdx="0">
+    <p:extLst>
+      <p:ext uri="{19B8F6BF-5375-455C-9EA6-DF929625EA0E}">
+        <p15:presenceInfo xmlns:p15="http://schemas.microsoft.com/office/powerpoint/2012/main" userId="af6a174f1be5a097" providerId="Windows Live"/>
+      </p:ext>
+    </p:extLst>
+  </p:cmAuthor>
+</p:cmAuthorLst>
+</file>
+
 <file path=ppt/slideLayouts/slideLayout1.xml><?xml version="1.0" encoding="utf-8"?>
 <p:sldLayout xmlns:a="http://schemas.openxmlformats.org/drawingml/2006/main" xmlns:r="http://schemas.openxmlformats.org/officeDocument/2006/relationships" xmlns:p="http://schemas.openxmlformats.org/presentationml/2006/main" type="title" preserve="1">
   <p:cSld name="标题幻灯片">
@@ -261,7 +274,7 @@
           <a:p>
             <a:fld id="{B726A3B4-DB47-4A3E-AFA3-5E268DC73B71}" type="datetimeFigureOut">
               <a:rPr lang="zh-CN" altLang="en-US" smtClean="0"/>
-              <a:t>2019/12/9</a:t>
+              <a:t>2019/12/10</a:t>
             </a:fld>
             <a:endParaRPr lang="zh-CN" altLang="en-US"/>
           </a:p>
@@ -459,7 +472,7 @@
           <a:p>
             <a:fld id="{B726A3B4-DB47-4A3E-AFA3-5E268DC73B71}" type="datetimeFigureOut">
               <a:rPr lang="zh-CN" altLang="en-US" smtClean="0"/>
-              <a:t>2019/12/9</a:t>
+              <a:t>2019/12/10</a:t>
             </a:fld>
             <a:endParaRPr lang="zh-CN" altLang="en-US"/>
           </a:p>
@@ -667,7 +680,7 @@
           <a:p>
             <a:fld id="{B726A3B4-DB47-4A3E-AFA3-5E268DC73B71}" type="datetimeFigureOut">
               <a:rPr lang="zh-CN" altLang="en-US" smtClean="0"/>
-              <a:t>2019/12/9</a:t>
+              <a:t>2019/12/10</a:t>
             </a:fld>
             <a:endParaRPr lang="zh-CN" altLang="en-US"/>
           </a:p>
@@ -865,7 +878,7 @@
           <a:p>
             <a:fld id="{B726A3B4-DB47-4A3E-AFA3-5E268DC73B71}" type="datetimeFigureOut">
               <a:rPr lang="zh-CN" altLang="en-US" smtClean="0"/>
-              <a:t>2019/12/9</a:t>
+              <a:t>2019/12/10</a:t>
             </a:fld>
             <a:endParaRPr lang="zh-CN" altLang="en-US"/>
           </a:p>
@@ -1140,7 +1153,7 @@
           <a:p>
             <a:fld id="{B726A3B4-DB47-4A3E-AFA3-5E268DC73B71}" type="datetimeFigureOut">
               <a:rPr lang="zh-CN" altLang="en-US" smtClean="0"/>
-              <a:t>2019/12/9</a:t>
+              <a:t>2019/12/10</a:t>
             </a:fld>
             <a:endParaRPr lang="zh-CN" altLang="en-US"/>
           </a:p>
@@ -1405,7 +1418,7 @@
           <a:p>
             <a:fld id="{B726A3B4-DB47-4A3E-AFA3-5E268DC73B71}" type="datetimeFigureOut">
               <a:rPr lang="zh-CN" altLang="en-US" smtClean="0"/>
-              <a:t>2019/12/9</a:t>
+              <a:t>2019/12/10</a:t>
             </a:fld>
             <a:endParaRPr lang="zh-CN" altLang="en-US"/>
           </a:p>
@@ -1817,7 +1830,7 @@
           <a:p>
             <a:fld id="{B726A3B4-DB47-4A3E-AFA3-5E268DC73B71}" type="datetimeFigureOut">
               <a:rPr lang="zh-CN" altLang="en-US" smtClean="0"/>
-              <a:t>2019/12/9</a:t>
+              <a:t>2019/12/10</a:t>
             </a:fld>
             <a:endParaRPr lang="zh-CN" altLang="en-US"/>
           </a:p>
@@ -1958,7 +1971,7 @@
           <a:p>
             <a:fld id="{B726A3B4-DB47-4A3E-AFA3-5E268DC73B71}" type="datetimeFigureOut">
               <a:rPr lang="zh-CN" altLang="en-US" smtClean="0"/>
-              <a:t>2019/12/9</a:t>
+              <a:t>2019/12/10</a:t>
             </a:fld>
             <a:endParaRPr lang="zh-CN" altLang="en-US"/>
           </a:p>
@@ -2071,7 +2084,7 @@
           <a:p>
             <a:fld id="{B726A3B4-DB47-4A3E-AFA3-5E268DC73B71}" type="datetimeFigureOut">
               <a:rPr lang="zh-CN" altLang="en-US" smtClean="0"/>
-              <a:t>2019/12/9</a:t>
+              <a:t>2019/12/10</a:t>
             </a:fld>
             <a:endParaRPr lang="zh-CN" altLang="en-US"/>
           </a:p>
@@ -2382,7 +2395,7 @@
           <a:p>
             <a:fld id="{B726A3B4-DB47-4A3E-AFA3-5E268DC73B71}" type="datetimeFigureOut">
               <a:rPr lang="zh-CN" altLang="en-US" smtClean="0"/>
-              <a:t>2019/12/9</a:t>
+              <a:t>2019/12/10</a:t>
             </a:fld>
             <a:endParaRPr lang="zh-CN" altLang="en-US"/>
           </a:p>
@@ -2670,7 +2683,7 @@
           <a:p>
             <a:fld id="{B726A3B4-DB47-4A3E-AFA3-5E268DC73B71}" type="datetimeFigureOut">
               <a:rPr lang="zh-CN" altLang="en-US" smtClean="0"/>
-              <a:t>2019/12/9</a:t>
+              <a:t>2019/12/10</a:t>
             </a:fld>
             <a:endParaRPr lang="zh-CN" altLang="en-US"/>
           </a:p>
@@ -2911,7 +2924,7 @@
           <a:p>
             <a:fld id="{B726A3B4-DB47-4A3E-AFA3-5E268DC73B71}" type="datetimeFigureOut">
               <a:rPr lang="zh-CN" altLang="en-US" smtClean="0"/>
-              <a:t>2019/12/9</a:t>
+              <a:t>2019/12/10</a:t>
             </a:fld>
             <a:endParaRPr lang="zh-CN" altLang="en-US"/>
           </a:p>
@@ -3979,6 +3992,466 @@
 </p:sld>
 </file>
 
+<file path=ppt/slides/slide4.xml><?xml version="1.0" encoding="utf-8"?>
+<p:sld xmlns:a="http://schemas.openxmlformats.org/drawingml/2006/main" xmlns:r="http://schemas.openxmlformats.org/officeDocument/2006/relationships" xmlns:p="http://schemas.openxmlformats.org/presentationml/2006/main">
+  <p:cSld>
+    <p:spTree>
+      <p:nvGrpSpPr>
+        <p:cNvPr id="1" name=""/>
+        <p:cNvGrpSpPr/>
+        <p:nvPr/>
+      </p:nvGrpSpPr>
+      <p:grpSpPr>
+        <a:xfrm>
+          <a:off x="0" y="0"/>
+          <a:ext cx="0" cy="0"/>
+          <a:chOff x="0" y="0"/>
+          <a:chExt cx="0" cy="0"/>
+        </a:xfrm>
+      </p:grpSpPr>
+      <p:graphicFrame>
+        <p:nvGraphicFramePr>
+          <p:cNvPr id="2" name="表格 2">
+            <a:extLst>
+              <a:ext uri="{FF2B5EF4-FFF2-40B4-BE49-F238E27FC236}">
+                <a16:creationId xmlns:a16="http://schemas.microsoft.com/office/drawing/2014/main" id="{B5753975-A3E0-4F8B-85F5-824667BB7ABD}"/>
+              </a:ext>
+            </a:extLst>
+          </p:cNvPr>
+          <p:cNvGraphicFramePr>
+            <a:graphicFrameLocks noGrp="1"/>
+          </p:cNvGraphicFramePr>
+          <p:nvPr>
+            <p:extLst>
+              <p:ext uri="{D42A27DB-BD31-4B8C-83A1-F6EECF244321}">
+                <p14:modId xmlns:p14="http://schemas.microsoft.com/office/powerpoint/2010/main" val="1967763060"/>
+              </p:ext>
+            </p:extLst>
+          </p:nvPr>
+        </p:nvGraphicFramePr>
+        <p:xfrm>
+          <a:off x="106485" y="1387881"/>
+          <a:ext cx="8128000" cy="2931160"/>
+        </p:xfrm>
+        <a:graphic>
+          <a:graphicData uri="http://schemas.openxmlformats.org/drawingml/2006/table">
+            <a:tbl>
+              <a:tblPr firstRow="1" bandRow="1">
+                <a:tableStyleId>{5C22544A-7EE6-4342-B048-85BDC9FD1C3A}</a:tableStyleId>
+              </a:tblPr>
+              <a:tblGrid>
+                <a:gridCol w="2038838">
+                  <a:extLst>
+                    <a:ext uri="{9D8B030D-6E8A-4147-A177-3AD203B41FA5}">
+                      <a16:colId xmlns:a16="http://schemas.microsoft.com/office/drawing/2014/main" val="2723373688"/>
+                    </a:ext>
+                  </a:extLst>
+                </a:gridCol>
+                <a:gridCol w="2025162">
+                  <a:extLst>
+                    <a:ext uri="{9D8B030D-6E8A-4147-A177-3AD203B41FA5}">
+                      <a16:colId xmlns:a16="http://schemas.microsoft.com/office/drawing/2014/main" val="1490108791"/>
+                    </a:ext>
+                  </a:extLst>
+                </a:gridCol>
+                <a:gridCol w="2032000">
+                  <a:extLst>
+                    <a:ext uri="{9D8B030D-6E8A-4147-A177-3AD203B41FA5}">
+                      <a16:colId xmlns:a16="http://schemas.microsoft.com/office/drawing/2014/main" val="2984379607"/>
+                    </a:ext>
+                  </a:extLst>
+                </a:gridCol>
+                <a:gridCol w="2032000">
+                  <a:extLst>
+                    <a:ext uri="{9D8B030D-6E8A-4147-A177-3AD203B41FA5}">
+                      <a16:colId xmlns:a16="http://schemas.microsoft.com/office/drawing/2014/main" val="2785270860"/>
+                    </a:ext>
+                  </a:extLst>
+                </a:gridCol>
+              </a:tblGrid>
+              <a:tr h="370840">
+                <a:tc>
+                  <a:txBody>
+                    <a:bodyPr/>
+                    <a:lstStyle/>
+                    <a:p>
+                      <a:r>
+                        <a:rPr lang="zh-CN" altLang="en-US" dirty="0"/>
+                        <a:t>表头</a:t>
+                      </a:r>
+                      <a:r>
+                        <a:rPr lang="en-US" altLang="zh-CN" dirty="0"/>
+                        <a:t>_01</a:t>
+                      </a:r>
+                      <a:endParaRPr lang="zh-CN" altLang="en-US" dirty="0"/>
+                    </a:p>
+                  </a:txBody>
+                  <a:tcPr/>
+                </a:tc>
+                <a:tc>
+                  <a:txBody>
+                    <a:bodyPr/>
+                    <a:lstStyle/>
+                    <a:p>
+                      <a:r>
+                        <a:rPr lang="zh-CN" altLang="en-US" dirty="0"/>
+                        <a:t>表头</a:t>
+                      </a:r>
+                      <a:r>
+                        <a:rPr lang="en-US" altLang="zh-CN" dirty="0"/>
+                        <a:t>_02</a:t>
+                      </a:r>
+                      <a:endParaRPr lang="zh-CN" altLang="en-US" dirty="0"/>
+                    </a:p>
+                  </a:txBody>
+                  <a:tcPr/>
+                </a:tc>
+                <a:tc>
+                  <a:txBody>
+                    <a:bodyPr/>
+                    <a:lstStyle/>
+                    <a:p>
+                      <a:r>
+                        <a:rPr lang="zh-CN" altLang="en-US" dirty="0"/>
+                        <a:t>表头</a:t>
+                      </a:r>
+                      <a:r>
+                        <a:rPr lang="en-US" altLang="zh-CN" dirty="0"/>
+                        <a:t>_02</a:t>
+                      </a:r>
+                      <a:endParaRPr lang="zh-CN" altLang="en-US" dirty="0"/>
+                    </a:p>
+                  </a:txBody>
+                  <a:tcPr/>
+                </a:tc>
+                <a:tc>
+                  <a:txBody>
+                    <a:bodyPr/>
+                    <a:lstStyle/>
+                    <a:p>
+                      <a:r>
+                        <a:rPr lang="zh-CN" altLang="en-US" dirty="0"/>
+                        <a:t>表头</a:t>
+                      </a:r>
+                      <a:r>
+                        <a:rPr lang="en-US" altLang="zh-CN" dirty="0"/>
+                        <a:t>_03</a:t>
+                      </a:r>
+                      <a:endParaRPr lang="zh-CN" altLang="en-US" dirty="0"/>
+                    </a:p>
+                  </a:txBody>
+                  <a:tcPr/>
+                </a:tc>
+                <a:extLst>
+                  <a:ext uri="{0D108BD9-81ED-4DB2-BD59-A6C34878D82A}">
+                    <a16:rowId xmlns:a16="http://schemas.microsoft.com/office/drawing/2014/main" val="403261667"/>
+                  </a:ext>
+                </a:extLst>
+              </a:tr>
+              <a:tr h="370840">
+                <a:tc>
+                  <a:txBody>
+                    <a:bodyPr/>
+                    <a:lstStyle/>
+                    <a:p>
+                      <a:r>
+                        <a:rPr lang="en-US" altLang="zh-CN" dirty="0"/>
+                        <a:t>#</a:t>
+                      </a:r>
+                      <a:r>
+                        <a:rPr lang="en-US" altLang="zh-CN" dirty="0" err="1"/>
+                        <a:t>table_begin_data</a:t>
+                      </a:r>
+                      <a:r>
+                        <a:rPr lang="en-US" altLang="zh-CN" dirty="0"/>
+                        <a:t>#</a:t>
+                      </a:r>
+                      <a:endParaRPr lang="zh-CN" altLang="en-US" dirty="0"/>
+                    </a:p>
+                  </a:txBody>
+                  <a:tcPr/>
+                </a:tc>
+                <a:tc>
+                  <a:txBody>
+                    <a:bodyPr/>
+                    <a:lstStyle/>
+                    <a:p>
+                      <a:endParaRPr lang="zh-CN" altLang="en-US"/>
+                    </a:p>
+                  </a:txBody>
+                  <a:tcPr/>
+                </a:tc>
+                <a:tc>
+                  <a:txBody>
+                    <a:bodyPr/>
+                    <a:lstStyle/>
+                    <a:p>
+                      <a:endParaRPr lang="zh-CN" altLang="en-US"/>
+                    </a:p>
+                  </a:txBody>
+                  <a:tcPr/>
+                </a:tc>
+                <a:tc>
+                  <a:txBody>
+                    <a:bodyPr/>
+                    <a:lstStyle/>
+                    <a:p>
+                      <a:endParaRPr lang="zh-CN" altLang="en-US"/>
+                    </a:p>
+                  </a:txBody>
+                  <a:tcPr/>
+                </a:tc>
+                <a:extLst>
+                  <a:ext uri="{0D108BD9-81ED-4DB2-BD59-A6C34878D82A}">
+                    <a16:rowId xmlns:a16="http://schemas.microsoft.com/office/drawing/2014/main" val="1056704743"/>
+                  </a:ext>
+                </a:extLst>
+              </a:tr>
+              <a:tr h="370840">
+                <a:tc>
+                  <a:txBody>
+                    <a:bodyPr/>
+                    <a:lstStyle/>
+                    <a:p>
+                      <a:pPr marL="0" marR="0" lvl="0" indent="0" algn="l" defTabSz="914400" rtl="0" eaLnBrk="1" fontAlgn="auto" latinLnBrk="0" hangingPunct="1">
+                        <a:lnSpc>
+                          <a:spcPct val="100000"/>
+                        </a:lnSpc>
+                        <a:spcBef>
+                          <a:spcPts val="0"/>
+                        </a:spcBef>
+                        <a:spcAft>
+                          <a:spcPts val="0"/>
+                        </a:spcAft>
+                        <a:buClrTx/>
+                        <a:buSzTx/>
+                        <a:buFontTx/>
+                        <a:buNone/>
+                        <a:tabLst/>
+                        <a:defRPr/>
+                      </a:pPr>
+                      <a:r>
+                        <a:rPr lang="en-US" altLang="zh-CN" dirty="0"/>
+                        <a:t>#</a:t>
+                      </a:r>
+                      <a:r>
+                        <a:rPr lang="en-US" altLang="zh-CN" dirty="0" err="1"/>
+                        <a:t>table_begin_data</a:t>
+                      </a:r>
+                      <a:r>
+                        <a:rPr lang="en-US" altLang="zh-CN" dirty="0"/>
+                        <a:t>#</a:t>
+                      </a:r>
+                      <a:endParaRPr lang="zh-CN" altLang="en-US" dirty="0"/>
+                    </a:p>
+                  </a:txBody>
+                  <a:tcPr/>
+                </a:tc>
+                <a:tc>
+                  <a:txBody>
+                    <a:bodyPr/>
+                    <a:lstStyle/>
+                    <a:p>
+                      <a:endParaRPr lang="zh-CN" altLang="en-US"/>
+                    </a:p>
+                  </a:txBody>
+                  <a:tcPr/>
+                </a:tc>
+                <a:tc>
+                  <a:txBody>
+                    <a:bodyPr/>
+                    <a:lstStyle/>
+                    <a:p>
+                      <a:endParaRPr lang="zh-CN" altLang="en-US"/>
+                    </a:p>
+                  </a:txBody>
+                  <a:tcPr/>
+                </a:tc>
+                <a:tc>
+                  <a:txBody>
+                    <a:bodyPr/>
+                    <a:lstStyle/>
+                    <a:p>
+                      <a:endParaRPr lang="zh-CN" altLang="en-US"/>
+                    </a:p>
+                  </a:txBody>
+                  <a:tcPr/>
+                </a:tc>
+                <a:extLst>
+                  <a:ext uri="{0D108BD9-81ED-4DB2-BD59-A6C34878D82A}">
+                    <a16:rowId xmlns:a16="http://schemas.microsoft.com/office/drawing/2014/main" val="91059604"/>
+                  </a:ext>
+                </a:extLst>
+              </a:tr>
+              <a:tr h="370840">
+                <a:tc>
+                  <a:txBody>
+                    <a:bodyPr/>
+                    <a:lstStyle/>
+                    <a:p>
+                      <a:pPr marL="0" marR="0" lvl="0" indent="0" algn="l" defTabSz="914400" rtl="0" eaLnBrk="1" fontAlgn="auto" latinLnBrk="0" hangingPunct="1">
+                        <a:lnSpc>
+                          <a:spcPct val="100000"/>
+                        </a:lnSpc>
+                        <a:spcBef>
+                          <a:spcPts val="0"/>
+                        </a:spcBef>
+                        <a:spcAft>
+                          <a:spcPts val="0"/>
+                        </a:spcAft>
+                        <a:buClrTx/>
+                        <a:buSzTx/>
+                        <a:buFontTx/>
+                        <a:buNone/>
+                        <a:tabLst/>
+                        <a:defRPr/>
+                      </a:pPr>
+                      <a:r>
+                        <a:rPr lang="en-US" altLang="zh-CN" dirty="0"/>
+                        <a:t>#</a:t>
+                      </a:r>
+                      <a:r>
+                        <a:rPr lang="en-US" altLang="zh-CN" dirty="0" err="1"/>
+                        <a:t>table_begin_data</a:t>
+                      </a:r>
+                      <a:r>
+                        <a:rPr lang="en-US" altLang="zh-CN" dirty="0"/>
+                        <a:t>#</a:t>
+                      </a:r>
+                      <a:endParaRPr lang="zh-CN" altLang="en-US" dirty="0"/>
+                    </a:p>
+                  </a:txBody>
+                  <a:tcPr/>
+                </a:tc>
+                <a:tc>
+                  <a:txBody>
+                    <a:bodyPr/>
+                    <a:lstStyle/>
+                    <a:p>
+                      <a:endParaRPr lang="zh-CN" altLang="en-US"/>
+                    </a:p>
+                  </a:txBody>
+                  <a:tcPr/>
+                </a:tc>
+                <a:tc>
+                  <a:txBody>
+                    <a:bodyPr/>
+                    <a:lstStyle/>
+                    <a:p>
+                      <a:endParaRPr lang="zh-CN" altLang="en-US"/>
+                    </a:p>
+                  </a:txBody>
+                  <a:tcPr/>
+                </a:tc>
+                <a:tc>
+                  <a:txBody>
+                    <a:bodyPr/>
+                    <a:lstStyle/>
+                    <a:p>
+                      <a:endParaRPr lang="zh-CN" altLang="en-US"/>
+                    </a:p>
+                  </a:txBody>
+                  <a:tcPr/>
+                </a:tc>
+                <a:extLst>
+                  <a:ext uri="{0D108BD9-81ED-4DB2-BD59-A6C34878D82A}">
+                    <a16:rowId xmlns:a16="http://schemas.microsoft.com/office/drawing/2014/main" val="3490305834"/>
+                  </a:ext>
+                </a:extLst>
+              </a:tr>
+              <a:tr h="370840">
+                <a:tc>
+                  <a:txBody>
+                    <a:bodyPr/>
+                    <a:lstStyle/>
+                    <a:p>
+                      <a:pPr marL="0" marR="0" lvl="0" indent="0" algn="l" defTabSz="914400" rtl="0" eaLnBrk="1" fontAlgn="auto" latinLnBrk="0" hangingPunct="1">
+                        <a:lnSpc>
+                          <a:spcPct val="100000"/>
+                        </a:lnSpc>
+                        <a:spcBef>
+                          <a:spcPts val="0"/>
+                        </a:spcBef>
+                        <a:spcAft>
+                          <a:spcPts val="0"/>
+                        </a:spcAft>
+                        <a:buClrTx/>
+                        <a:buSzTx/>
+                        <a:buFontTx/>
+                        <a:buNone/>
+                        <a:tabLst/>
+                        <a:defRPr/>
+                      </a:pPr>
+                      <a:r>
+                        <a:rPr lang="en-US" altLang="zh-CN" dirty="0"/>
+                        <a:t>#</a:t>
+                      </a:r>
+                      <a:r>
+                        <a:rPr lang="en-US" altLang="zh-CN" dirty="0" err="1"/>
+                        <a:t>table_begin_data</a:t>
+                      </a:r>
+                      <a:r>
+                        <a:rPr lang="en-US" altLang="zh-CN"/>
+                        <a:t>#</a:t>
+                      </a:r>
+                      <a:endParaRPr lang="zh-CN" altLang="en-US" dirty="0"/>
+                    </a:p>
+                  </a:txBody>
+                  <a:tcPr/>
+                </a:tc>
+                <a:tc>
+                  <a:txBody>
+                    <a:bodyPr/>
+                    <a:lstStyle/>
+                    <a:p>
+                      <a:endParaRPr lang="zh-CN" altLang="en-US"/>
+                    </a:p>
+                  </a:txBody>
+                  <a:tcPr/>
+                </a:tc>
+                <a:tc>
+                  <a:txBody>
+                    <a:bodyPr/>
+                    <a:lstStyle/>
+                    <a:p>
+                      <a:endParaRPr lang="zh-CN" altLang="en-US"/>
+                    </a:p>
+                  </a:txBody>
+                  <a:tcPr/>
+                </a:tc>
+                <a:tc>
+                  <a:txBody>
+                    <a:bodyPr/>
+                    <a:lstStyle/>
+                    <a:p>
+                      <a:endParaRPr lang="zh-CN" altLang="en-US" dirty="0"/>
+                    </a:p>
+                  </a:txBody>
+                  <a:tcPr/>
+                </a:tc>
+                <a:extLst>
+                  <a:ext uri="{0D108BD9-81ED-4DB2-BD59-A6C34878D82A}">
+                    <a16:rowId xmlns:a16="http://schemas.microsoft.com/office/drawing/2014/main" val="2802590490"/>
+                  </a:ext>
+                </a:extLst>
+              </a:tr>
+            </a:tbl>
+          </a:graphicData>
+        </a:graphic>
+      </p:graphicFrame>
+    </p:spTree>
+    <p:extLst>
+      <p:ext uri="{BB962C8B-B14F-4D97-AF65-F5344CB8AC3E}">
+        <p14:creationId xmlns:p14="http://schemas.microsoft.com/office/powerpoint/2010/main" val="2467933993"/>
+      </p:ext>
+    </p:extLst>
+  </p:cSld>
+  <p:clrMapOvr>
+    <a:masterClrMapping/>
+  </p:clrMapOvr>
+</p:sld>
+</file>
+
 <file path=ppt/theme/theme1.xml><?xml version="1.0" encoding="utf-8"?>
 <a:theme xmlns:a="http://schemas.openxmlformats.org/drawingml/2006/main" name="Office 主题​​">
   <a:themeElements>

--- a/src/main/resources/pptModel/template.pptx
+++ b/src/main/resources/pptModel/template.pptx
@@ -4439,6 +4439,50 @@
           </a:graphicData>
         </a:graphic>
       </p:graphicFrame>
+      <p:sp>
+        <p:nvSpPr>
+          <p:cNvPr id="3" name="文本框 2">
+            <a:extLst>
+              <a:ext uri="{FF2B5EF4-FFF2-40B4-BE49-F238E27FC236}">
+                <a16:creationId xmlns:a16="http://schemas.microsoft.com/office/drawing/2014/main" id="{6323BCA4-F3B5-431F-8C5D-83CCC131F90B}"/>
+              </a:ext>
+            </a:extLst>
+          </p:cNvPr>
+          <p:cNvSpPr txBox="1"/>
+          <p:nvPr/>
+        </p:nvSpPr>
+        <p:spPr>
+          <a:xfrm>
+            <a:off x="1099038" y="5442438"/>
+            <a:ext cx="2938625" cy="369332"/>
+          </a:xfrm>
+          <a:prstGeom prst="rect">
+            <a:avLst/>
+          </a:prstGeom>
+          <a:noFill/>
+        </p:spPr>
+        <p:txBody>
+          <a:bodyPr wrap="none" rtlCol="0">
+            <a:spAutoFit/>
+          </a:bodyPr>
+          <a:lstStyle/>
+          <a:p>
+            <a:r>
+              <a:rPr lang="en-US" altLang="zh-CN" dirty="0"/>
+              <a:t>#MAX#</a:t>
+            </a:r>
+            <a:r>
+              <a:rPr lang="zh-CN" altLang="en-US" dirty="0"/>
+              <a:t>长度包含</a:t>
+            </a:r>
+            <a:r>
+              <a:rPr lang="en-US" altLang="zh-CN" dirty="0"/>
+              <a:t>#MAXCO#</a:t>
+            </a:r>
+            <a:endParaRPr lang="zh-CN" altLang="en-US" dirty="0"/>
+          </a:p>
+        </p:txBody>
+      </p:sp>
     </p:spTree>
     <p:extLst>
       <p:ext uri="{BB962C8B-B14F-4D97-AF65-F5344CB8AC3E}">

--- a/src/main/resources/pptModel/template.pptx
+++ b/src/main/resources/pptModel/template.pptx
@@ -4404,7 +4404,7 @@
                     <a:bodyPr/>
                     <a:lstStyle/>
                     <a:p>
-                      <a:endParaRPr lang="zh-CN" altLang="en-US"/>
+                      <a:endParaRPr lang="zh-CN" altLang="en-US" dirty="0"/>
                     </a:p>
                   </a:txBody>
                   <a:tcPr/>
@@ -4454,7 +4454,7 @@
         <p:spPr>
           <a:xfrm>
             <a:off x="1099038" y="5442438"/>
-            <a:ext cx="2938625" cy="369332"/>
+            <a:ext cx="7451079" cy="369332"/>
           </a:xfrm>
           <a:prstGeom prst="rect">
             <a:avLst/>
@@ -4469,15 +4469,15 @@
           <a:p>
             <a:r>
               <a:rPr lang="en-US" altLang="zh-CN" dirty="0"/>
-              <a:t>#MAX#</a:t>
+              <a:t>#MAXLENGTHDEMO#</a:t>
             </a:r>
             <a:r>
               <a:rPr lang="zh-CN" altLang="en-US" dirty="0"/>
               <a:t>长度包含</a:t>
             </a:r>
             <a:r>
-              <a:rPr lang="en-US" altLang="zh-CN" dirty="0"/>
-              <a:t>#MAXCO#</a:t>
+              <a:rPr lang="en-US" altLang="zh-CN"/>
+              <a:t>#MAXLENGTHDEMODEMO# $LICUNZHI$</a:t>
             </a:r>
             <a:endParaRPr lang="zh-CN" altLang="en-US" dirty="0"/>
           </a:p>

--- a/src/main/resources/pptModel/template.pptx
+++ b/src/main/resources/pptModel/template.pptx
@@ -1,14 +1,15 @@
 
 <file path=ppt/presentation.xml><?xml version="1.0" encoding="utf-8"?>
-<p:presentation xmlns:a="http://schemas.openxmlformats.org/drawingml/2006/main" xmlns:r="http://schemas.openxmlformats.org/officeDocument/2006/relationships" xmlns:p="http://schemas.openxmlformats.org/presentationml/2006/main" saveSubsetFonts="1">
+<p:presentation xmlns:a="http://schemas.openxmlformats.org/drawingml/2006/main" xmlns:r="http://schemas.openxmlformats.org/officeDocument/2006/relationships" xmlns:p="http://schemas.openxmlformats.org/presentationml/2006/main">
   <p:sldMasterIdLst>
     <p:sldMasterId id="2147483648" r:id="rId1"/>
   </p:sldMasterIdLst>
   <p:sldIdLst>
     <p:sldId id="256" r:id="rId2"/>
-    <p:sldId id="257" r:id="rId3"/>
-    <p:sldId id="258" r:id="rId4"/>
-    <p:sldId id="259" r:id="rId5"/>
+    <p:sldId id="260" r:id="rId3"/>
+    <p:sldId id="257" r:id="rId4"/>
+    <p:sldId id="258" r:id="rId5"/>
+    <p:sldId id="259" r:id="rId6"/>
   </p:sldIdLst>
   <p:sldSz cx="12192000" cy="6858000"/>
   <p:notesSz cx="6858000" cy="9144000"/>
@@ -117,13 +118,7 @@
 
 <file path=ppt/commentAuthors.xml><?xml version="1.0" encoding="utf-8"?>
 <p:cmAuthorLst xmlns:a="http://schemas.openxmlformats.org/drawingml/2006/main" xmlns:r="http://schemas.openxmlformats.org/officeDocument/2006/relationships" xmlns:p="http://schemas.openxmlformats.org/presentationml/2006/main">
-  <p:cmAuthor id="1" name="李 存志" initials="李" lastIdx="1" clrIdx="0">
-    <p:extLst>
-      <p:ext uri="{19B8F6BF-5375-455C-9EA6-DF929625EA0E}">
-        <p15:presenceInfo xmlns:p15="http://schemas.microsoft.com/office/powerpoint/2012/main" userId="af6a174f1be5a097" providerId="Windows Live"/>
-      </p:ext>
-    </p:extLst>
-  </p:cmAuthor>
+  <p:cmAuthor id="1" name="李 存志" initials="李" lastIdx="1" clrIdx="0"/>
 </p:cmAuthorLst>
 </file>
 
@@ -146,13 +141,7 @@
       </p:grpSpPr>
       <p:sp>
         <p:nvSpPr>
-          <p:cNvPr id="2" name="标题 1">
-            <a:extLst>
-              <a:ext uri="{FF2B5EF4-FFF2-40B4-BE49-F238E27FC236}">
-                <a16:creationId xmlns:a16="http://schemas.microsoft.com/office/drawing/2014/main" id="{08B92AE1-65FC-4D5C-9C79-753A82EA2031}"/>
-              </a:ext>
-            </a:extLst>
-          </p:cNvPr>
+          <p:cNvPr id="2" name="标题 1"/>
           <p:cNvSpPr>
             <a:spLocks noGrp="1"/>
           </p:cNvSpPr>
@@ -183,13 +172,7 @@
       </p:sp>
       <p:sp>
         <p:nvSpPr>
-          <p:cNvPr id="3" name="副标题 2">
-            <a:extLst>
-              <a:ext uri="{FF2B5EF4-FFF2-40B4-BE49-F238E27FC236}">
-                <a16:creationId xmlns:a16="http://schemas.microsoft.com/office/drawing/2014/main" id="{10DADDBA-3E7B-41D1-A230-EC02AB77949F}"/>
-              </a:ext>
-            </a:extLst>
-          </p:cNvPr>
+          <p:cNvPr id="3" name="副标题 2"/>
           <p:cNvSpPr>
             <a:spLocks noGrp="1"/>
           </p:cNvSpPr>
@@ -253,13 +236,7 @@
       </p:sp>
       <p:sp>
         <p:nvSpPr>
-          <p:cNvPr id="4" name="日期占位符 3">
-            <a:extLst>
-              <a:ext uri="{FF2B5EF4-FFF2-40B4-BE49-F238E27FC236}">
-                <a16:creationId xmlns:a16="http://schemas.microsoft.com/office/drawing/2014/main" id="{CDA81036-097F-4008-B42D-53D393D781DB}"/>
-              </a:ext>
-            </a:extLst>
-          </p:cNvPr>
+          <p:cNvPr id="4" name="日期占位符 3"/>
           <p:cNvSpPr>
             <a:spLocks noGrp="1"/>
           </p:cNvSpPr>
@@ -274,7 +251,7 @@
           <a:p>
             <a:fld id="{B726A3B4-DB47-4A3E-AFA3-5E268DC73B71}" type="datetimeFigureOut">
               <a:rPr lang="zh-CN" altLang="en-US" smtClean="0"/>
-              <a:t>2019/12/10</a:t>
+              <a:t>2019/12/12</a:t>
             </a:fld>
             <a:endParaRPr lang="zh-CN" altLang="en-US"/>
           </a:p>
@@ -282,13 +259,7 @@
       </p:sp>
       <p:sp>
         <p:nvSpPr>
-          <p:cNvPr id="5" name="页脚占位符 4">
-            <a:extLst>
-              <a:ext uri="{FF2B5EF4-FFF2-40B4-BE49-F238E27FC236}">
-                <a16:creationId xmlns:a16="http://schemas.microsoft.com/office/drawing/2014/main" id="{BDC0368C-0E0A-425A-9813-A35DA5C87C2F}"/>
-              </a:ext>
-            </a:extLst>
-          </p:cNvPr>
+          <p:cNvPr id="5" name="页脚占位符 4"/>
           <p:cNvSpPr>
             <a:spLocks noGrp="1"/>
           </p:cNvSpPr>
@@ -307,13 +278,7 @@
       </p:sp>
       <p:sp>
         <p:nvSpPr>
-          <p:cNvPr id="6" name="灯片编号占位符 5">
-            <a:extLst>
-              <a:ext uri="{FF2B5EF4-FFF2-40B4-BE49-F238E27FC236}">
-                <a16:creationId xmlns:a16="http://schemas.microsoft.com/office/drawing/2014/main" id="{ECBD5E4B-9255-4745-BA29-E2E8E0DD7088}"/>
-              </a:ext>
-            </a:extLst>
-          </p:cNvPr>
+          <p:cNvPr id="6" name="灯片编号占位符 5"/>
           <p:cNvSpPr>
             <a:spLocks noGrp="1"/>
           </p:cNvSpPr>
@@ -335,11 +300,6 @@
         </p:txBody>
       </p:sp>
     </p:spTree>
-    <p:extLst>
-      <p:ext uri="{BB962C8B-B14F-4D97-AF65-F5344CB8AC3E}">
-        <p14:creationId xmlns:p14="http://schemas.microsoft.com/office/powerpoint/2010/main" val="230382344"/>
-      </p:ext>
-    </p:extLst>
   </p:cSld>
   <p:clrMapOvr>
     <a:masterClrMapping/>
@@ -366,13 +326,7 @@
       </p:grpSpPr>
       <p:sp>
         <p:nvSpPr>
-          <p:cNvPr id="2" name="标题 1">
-            <a:extLst>
-              <a:ext uri="{FF2B5EF4-FFF2-40B4-BE49-F238E27FC236}">
-                <a16:creationId xmlns:a16="http://schemas.microsoft.com/office/drawing/2014/main" id="{C6367F29-6916-4677-8C32-7894A88F150C}"/>
-              </a:ext>
-            </a:extLst>
-          </p:cNvPr>
+          <p:cNvPr id="2" name="标题 1"/>
           <p:cNvSpPr>
             <a:spLocks noGrp="1"/>
           </p:cNvSpPr>
@@ -394,13 +348,7 @@
       </p:sp>
       <p:sp>
         <p:nvSpPr>
-          <p:cNvPr id="3" name="竖排文字占位符 2">
-            <a:extLst>
-              <a:ext uri="{FF2B5EF4-FFF2-40B4-BE49-F238E27FC236}">
-                <a16:creationId xmlns:a16="http://schemas.microsoft.com/office/drawing/2014/main" id="{DF63BD90-AC71-46F8-BC40-86D5B5CB008F}"/>
-              </a:ext>
-            </a:extLst>
-          </p:cNvPr>
+          <p:cNvPr id="3" name="竖排文字占位符 2"/>
           <p:cNvSpPr>
             <a:spLocks noGrp="1"/>
           </p:cNvSpPr>
@@ -451,13 +399,7 @@
       </p:sp>
       <p:sp>
         <p:nvSpPr>
-          <p:cNvPr id="4" name="日期占位符 3">
-            <a:extLst>
-              <a:ext uri="{FF2B5EF4-FFF2-40B4-BE49-F238E27FC236}">
-                <a16:creationId xmlns:a16="http://schemas.microsoft.com/office/drawing/2014/main" id="{C5034928-56D2-4AD4-A03C-DC69593D2E20}"/>
-              </a:ext>
-            </a:extLst>
-          </p:cNvPr>
+          <p:cNvPr id="4" name="日期占位符 3"/>
           <p:cNvSpPr>
             <a:spLocks noGrp="1"/>
           </p:cNvSpPr>
@@ -472,7 +414,7 @@
           <a:p>
             <a:fld id="{B726A3B4-DB47-4A3E-AFA3-5E268DC73B71}" type="datetimeFigureOut">
               <a:rPr lang="zh-CN" altLang="en-US" smtClean="0"/>
-              <a:t>2019/12/10</a:t>
+              <a:t>2019/12/12</a:t>
             </a:fld>
             <a:endParaRPr lang="zh-CN" altLang="en-US"/>
           </a:p>
@@ -480,13 +422,7 @@
       </p:sp>
       <p:sp>
         <p:nvSpPr>
-          <p:cNvPr id="5" name="页脚占位符 4">
-            <a:extLst>
-              <a:ext uri="{FF2B5EF4-FFF2-40B4-BE49-F238E27FC236}">
-                <a16:creationId xmlns:a16="http://schemas.microsoft.com/office/drawing/2014/main" id="{BAFA0E35-2876-401E-B248-5703579D80FF}"/>
-              </a:ext>
-            </a:extLst>
-          </p:cNvPr>
+          <p:cNvPr id="5" name="页脚占位符 4"/>
           <p:cNvSpPr>
             <a:spLocks noGrp="1"/>
           </p:cNvSpPr>
@@ -505,13 +441,7 @@
       </p:sp>
       <p:sp>
         <p:nvSpPr>
-          <p:cNvPr id="6" name="灯片编号占位符 5">
-            <a:extLst>
-              <a:ext uri="{FF2B5EF4-FFF2-40B4-BE49-F238E27FC236}">
-                <a16:creationId xmlns:a16="http://schemas.microsoft.com/office/drawing/2014/main" id="{65D3D654-063F-40F9-8BF1-BDC3D142FDE4}"/>
-              </a:ext>
-            </a:extLst>
-          </p:cNvPr>
+          <p:cNvPr id="6" name="灯片编号占位符 5"/>
           <p:cNvSpPr>
             <a:spLocks noGrp="1"/>
           </p:cNvSpPr>
@@ -533,11 +463,6 @@
         </p:txBody>
       </p:sp>
     </p:spTree>
-    <p:extLst>
-      <p:ext uri="{BB962C8B-B14F-4D97-AF65-F5344CB8AC3E}">
-        <p14:creationId xmlns:p14="http://schemas.microsoft.com/office/powerpoint/2010/main" val="3791253818"/>
-      </p:ext>
-    </p:extLst>
   </p:cSld>
   <p:clrMapOvr>
     <a:masterClrMapping/>
@@ -564,13 +489,7 @@
       </p:grpSpPr>
       <p:sp>
         <p:nvSpPr>
-          <p:cNvPr id="2" name="竖排标题 1">
-            <a:extLst>
-              <a:ext uri="{FF2B5EF4-FFF2-40B4-BE49-F238E27FC236}">
-                <a16:creationId xmlns:a16="http://schemas.microsoft.com/office/drawing/2014/main" id="{A1C5139B-4A45-431F-AA57-34C219EB016B}"/>
-              </a:ext>
-            </a:extLst>
-          </p:cNvPr>
+          <p:cNvPr id="2" name="竖排标题 1"/>
           <p:cNvSpPr>
             <a:spLocks noGrp="1"/>
           </p:cNvSpPr>
@@ -597,13 +516,7 @@
       </p:sp>
       <p:sp>
         <p:nvSpPr>
-          <p:cNvPr id="3" name="竖排文字占位符 2">
-            <a:extLst>
-              <a:ext uri="{FF2B5EF4-FFF2-40B4-BE49-F238E27FC236}">
-                <a16:creationId xmlns:a16="http://schemas.microsoft.com/office/drawing/2014/main" id="{A452CFFB-67DF-4F5A-9CA4-4E6AE469C1CD}"/>
-              </a:ext>
-            </a:extLst>
-          </p:cNvPr>
+          <p:cNvPr id="3" name="竖排文字占位符 2"/>
           <p:cNvSpPr>
             <a:spLocks noGrp="1"/>
           </p:cNvSpPr>
@@ -659,13 +572,7 @@
       </p:sp>
       <p:sp>
         <p:nvSpPr>
-          <p:cNvPr id="4" name="日期占位符 3">
-            <a:extLst>
-              <a:ext uri="{FF2B5EF4-FFF2-40B4-BE49-F238E27FC236}">
-                <a16:creationId xmlns:a16="http://schemas.microsoft.com/office/drawing/2014/main" id="{28D05B92-A6D3-4764-8A75-72F01BA94BF9}"/>
-              </a:ext>
-            </a:extLst>
-          </p:cNvPr>
+          <p:cNvPr id="4" name="日期占位符 3"/>
           <p:cNvSpPr>
             <a:spLocks noGrp="1"/>
           </p:cNvSpPr>
@@ -680,7 +587,7 @@
           <a:p>
             <a:fld id="{B726A3B4-DB47-4A3E-AFA3-5E268DC73B71}" type="datetimeFigureOut">
               <a:rPr lang="zh-CN" altLang="en-US" smtClean="0"/>
-              <a:t>2019/12/10</a:t>
+              <a:t>2019/12/12</a:t>
             </a:fld>
             <a:endParaRPr lang="zh-CN" altLang="en-US"/>
           </a:p>
@@ -688,13 +595,7 @@
       </p:sp>
       <p:sp>
         <p:nvSpPr>
-          <p:cNvPr id="5" name="页脚占位符 4">
-            <a:extLst>
-              <a:ext uri="{FF2B5EF4-FFF2-40B4-BE49-F238E27FC236}">
-                <a16:creationId xmlns:a16="http://schemas.microsoft.com/office/drawing/2014/main" id="{70A03376-2E44-4118-83EC-EDC12BB037F2}"/>
-              </a:ext>
-            </a:extLst>
-          </p:cNvPr>
+          <p:cNvPr id="5" name="页脚占位符 4"/>
           <p:cNvSpPr>
             <a:spLocks noGrp="1"/>
           </p:cNvSpPr>
@@ -713,13 +614,7 @@
       </p:sp>
       <p:sp>
         <p:nvSpPr>
-          <p:cNvPr id="6" name="灯片编号占位符 5">
-            <a:extLst>
-              <a:ext uri="{FF2B5EF4-FFF2-40B4-BE49-F238E27FC236}">
-                <a16:creationId xmlns:a16="http://schemas.microsoft.com/office/drawing/2014/main" id="{0CB1778F-EE24-44A0-8E11-2277BE9EC627}"/>
-              </a:ext>
-            </a:extLst>
-          </p:cNvPr>
+          <p:cNvPr id="6" name="灯片编号占位符 5"/>
           <p:cNvSpPr>
             <a:spLocks noGrp="1"/>
           </p:cNvSpPr>
@@ -741,11 +636,6 @@
         </p:txBody>
       </p:sp>
     </p:spTree>
-    <p:extLst>
-      <p:ext uri="{BB962C8B-B14F-4D97-AF65-F5344CB8AC3E}">
-        <p14:creationId xmlns:p14="http://schemas.microsoft.com/office/powerpoint/2010/main" val="911061322"/>
-      </p:ext>
-    </p:extLst>
   </p:cSld>
   <p:clrMapOvr>
     <a:masterClrMapping/>
@@ -772,13 +662,7 @@
       </p:grpSpPr>
       <p:sp>
         <p:nvSpPr>
-          <p:cNvPr id="2" name="标题 1">
-            <a:extLst>
-              <a:ext uri="{FF2B5EF4-FFF2-40B4-BE49-F238E27FC236}">
-                <a16:creationId xmlns:a16="http://schemas.microsoft.com/office/drawing/2014/main" id="{84A3B3E9-8D9D-4919-A3E5-D11690654126}"/>
-              </a:ext>
-            </a:extLst>
-          </p:cNvPr>
+          <p:cNvPr id="2" name="标题 1"/>
           <p:cNvSpPr>
             <a:spLocks noGrp="1"/>
           </p:cNvSpPr>
@@ -800,13 +684,7 @@
       </p:sp>
       <p:sp>
         <p:nvSpPr>
-          <p:cNvPr id="3" name="内容占位符 2">
-            <a:extLst>
-              <a:ext uri="{FF2B5EF4-FFF2-40B4-BE49-F238E27FC236}">
-                <a16:creationId xmlns:a16="http://schemas.microsoft.com/office/drawing/2014/main" id="{29D08348-0943-4BF1-B2D9-9173F103D809}"/>
-              </a:ext>
-            </a:extLst>
-          </p:cNvPr>
+          <p:cNvPr id="3" name="内容占位符 2"/>
           <p:cNvSpPr>
             <a:spLocks noGrp="1"/>
           </p:cNvSpPr>
@@ -857,13 +735,7 @@
       </p:sp>
       <p:sp>
         <p:nvSpPr>
-          <p:cNvPr id="4" name="日期占位符 3">
-            <a:extLst>
-              <a:ext uri="{FF2B5EF4-FFF2-40B4-BE49-F238E27FC236}">
-                <a16:creationId xmlns:a16="http://schemas.microsoft.com/office/drawing/2014/main" id="{DFD8A36C-D4EA-4569-9E2D-84BFC3EC6784}"/>
-              </a:ext>
-            </a:extLst>
-          </p:cNvPr>
+          <p:cNvPr id="4" name="日期占位符 3"/>
           <p:cNvSpPr>
             <a:spLocks noGrp="1"/>
           </p:cNvSpPr>
@@ -878,7 +750,7 @@
           <a:p>
             <a:fld id="{B726A3B4-DB47-4A3E-AFA3-5E268DC73B71}" type="datetimeFigureOut">
               <a:rPr lang="zh-CN" altLang="en-US" smtClean="0"/>
-              <a:t>2019/12/10</a:t>
+              <a:t>2019/12/12</a:t>
             </a:fld>
             <a:endParaRPr lang="zh-CN" altLang="en-US"/>
           </a:p>
@@ -886,13 +758,7 @@
       </p:sp>
       <p:sp>
         <p:nvSpPr>
-          <p:cNvPr id="5" name="页脚占位符 4">
-            <a:extLst>
-              <a:ext uri="{FF2B5EF4-FFF2-40B4-BE49-F238E27FC236}">
-                <a16:creationId xmlns:a16="http://schemas.microsoft.com/office/drawing/2014/main" id="{51754B33-D6D5-443B-BD77-C12D87DD8C7A}"/>
-              </a:ext>
-            </a:extLst>
-          </p:cNvPr>
+          <p:cNvPr id="5" name="页脚占位符 4"/>
           <p:cNvSpPr>
             <a:spLocks noGrp="1"/>
           </p:cNvSpPr>
@@ -911,13 +777,7 @@
       </p:sp>
       <p:sp>
         <p:nvSpPr>
-          <p:cNvPr id="6" name="灯片编号占位符 5">
-            <a:extLst>
-              <a:ext uri="{FF2B5EF4-FFF2-40B4-BE49-F238E27FC236}">
-                <a16:creationId xmlns:a16="http://schemas.microsoft.com/office/drawing/2014/main" id="{E8963610-F7A9-4034-B703-F8C6E92325A8}"/>
-              </a:ext>
-            </a:extLst>
-          </p:cNvPr>
+          <p:cNvPr id="6" name="灯片编号占位符 5"/>
           <p:cNvSpPr>
             <a:spLocks noGrp="1"/>
           </p:cNvSpPr>
@@ -939,11 +799,6 @@
         </p:txBody>
       </p:sp>
     </p:spTree>
-    <p:extLst>
-      <p:ext uri="{BB962C8B-B14F-4D97-AF65-F5344CB8AC3E}">
-        <p14:creationId xmlns:p14="http://schemas.microsoft.com/office/powerpoint/2010/main" val="1249919699"/>
-      </p:ext>
-    </p:extLst>
   </p:cSld>
   <p:clrMapOvr>
     <a:masterClrMapping/>
@@ -970,13 +825,7 @@
       </p:grpSpPr>
       <p:sp>
         <p:nvSpPr>
-          <p:cNvPr id="2" name="标题 1">
-            <a:extLst>
-              <a:ext uri="{FF2B5EF4-FFF2-40B4-BE49-F238E27FC236}">
-                <a16:creationId xmlns:a16="http://schemas.microsoft.com/office/drawing/2014/main" id="{820D5F76-17D6-4195-A333-46020FC54E55}"/>
-              </a:ext>
-            </a:extLst>
-          </p:cNvPr>
+          <p:cNvPr id="2" name="标题 1"/>
           <p:cNvSpPr>
             <a:spLocks noGrp="1"/>
           </p:cNvSpPr>
@@ -1007,13 +856,7 @@
       </p:sp>
       <p:sp>
         <p:nvSpPr>
-          <p:cNvPr id="3" name="文本占位符 2">
-            <a:extLst>
-              <a:ext uri="{FF2B5EF4-FFF2-40B4-BE49-F238E27FC236}">
-                <a16:creationId xmlns:a16="http://schemas.microsoft.com/office/drawing/2014/main" id="{746F438A-B521-47FB-9520-F551A01E9E06}"/>
-              </a:ext>
-            </a:extLst>
-          </p:cNvPr>
+          <p:cNvPr id="3" name="文本占位符 2"/>
           <p:cNvSpPr>
             <a:spLocks noGrp="1"/>
           </p:cNvSpPr>
@@ -1132,13 +975,7 @@
       </p:sp>
       <p:sp>
         <p:nvSpPr>
-          <p:cNvPr id="4" name="日期占位符 3">
-            <a:extLst>
-              <a:ext uri="{FF2B5EF4-FFF2-40B4-BE49-F238E27FC236}">
-                <a16:creationId xmlns:a16="http://schemas.microsoft.com/office/drawing/2014/main" id="{45DADAB8-60E7-4CD8-89E2-7EE6C3799775}"/>
-              </a:ext>
-            </a:extLst>
-          </p:cNvPr>
+          <p:cNvPr id="4" name="日期占位符 3"/>
           <p:cNvSpPr>
             <a:spLocks noGrp="1"/>
           </p:cNvSpPr>
@@ -1153,7 +990,7 @@
           <a:p>
             <a:fld id="{B726A3B4-DB47-4A3E-AFA3-5E268DC73B71}" type="datetimeFigureOut">
               <a:rPr lang="zh-CN" altLang="en-US" smtClean="0"/>
-              <a:t>2019/12/10</a:t>
+              <a:t>2019/12/12</a:t>
             </a:fld>
             <a:endParaRPr lang="zh-CN" altLang="en-US"/>
           </a:p>
@@ -1161,13 +998,7 @@
       </p:sp>
       <p:sp>
         <p:nvSpPr>
-          <p:cNvPr id="5" name="页脚占位符 4">
-            <a:extLst>
-              <a:ext uri="{FF2B5EF4-FFF2-40B4-BE49-F238E27FC236}">
-                <a16:creationId xmlns:a16="http://schemas.microsoft.com/office/drawing/2014/main" id="{E0A7BA4B-3A77-470B-AD81-0B132CB42344}"/>
-              </a:ext>
-            </a:extLst>
-          </p:cNvPr>
+          <p:cNvPr id="5" name="页脚占位符 4"/>
           <p:cNvSpPr>
             <a:spLocks noGrp="1"/>
           </p:cNvSpPr>
@@ -1186,13 +1017,7 @@
       </p:sp>
       <p:sp>
         <p:nvSpPr>
-          <p:cNvPr id="6" name="灯片编号占位符 5">
-            <a:extLst>
-              <a:ext uri="{FF2B5EF4-FFF2-40B4-BE49-F238E27FC236}">
-                <a16:creationId xmlns:a16="http://schemas.microsoft.com/office/drawing/2014/main" id="{F385104A-6356-41C8-A5C9-94270982CD2F}"/>
-              </a:ext>
-            </a:extLst>
-          </p:cNvPr>
+          <p:cNvPr id="6" name="灯片编号占位符 5"/>
           <p:cNvSpPr>
             <a:spLocks noGrp="1"/>
           </p:cNvSpPr>
@@ -1214,11 +1039,6 @@
         </p:txBody>
       </p:sp>
     </p:spTree>
-    <p:extLst>
-      <p:ext uri="{BB962C8B-B14F-4D97-AF65-F5344CB8AC3E}">
-        <p14:creationId xmlns:p14="http://schemas.microsoft.com/office/powerpoint/2010/main" val="527909435"/>
-      </p:ext>
-    </p:extLst>
   </p:cSld>
   <p:clrMapOvr>
     <a:masterClrMapping/>
@@ -1245,13 +1065,7 @@
       </p:grpSpPr>
       <p:sp>
         <p:nvSpPr>
-          <p:cNvPr id="2" name="标题 1">
-            <a:extLst>
-              <a:ext uri="{FF2B5EF4-FFF2-40B4-BE49-F238E27FC236}">
-                <a16:creationId xmlns:a16="http://schemas.microsoft.com/office/drawing/2014/main" id="{DC0EE6E9-2E14-4D2C-B722-BC0A4B075813}"/>
-              </a:ext>
-            </a:extLst>
-          </p:cNvPr>
+          <p:cNvPr id="2" name="标题 1"/>
           <p:cNvSpPr>
             <a:spLocks noGrp="1"/>
           </p:cNvSpPr>
@@ -1273,13 +1087,7 @@
       </p:sp>
       <p:sp>
         <p:nvSpPr>
-          <p:cNvPr id="3" name="内容占位符 2">
-            <a:extLst>
-              <a:ext uri="{FF2B5EF4-FFF2-40B4-BE49-F238E27FC236}">
-                <a16:creationId xmlns:a16="http://schemas.microsoft.com/office/drawing/2014/main" id="{74D31ED4-6D82-4BD3-B53A-826CC9355260}"/>
-              </a:ext>
-            </a:extLst>
-          </p:cNvPr>
+          <p:cNvPr id="3" name="内容占位符 2"/>
           <p:cNvSpPr>
             <a:spLocks noGrp="1"/>
           </p:cNvSpPr>
@@ -1335,13 +1143,7 @@
       </p:sp>
       <p:sp>
         <p:nvSpPr>
-          <p:cNvPr id="4" name="内容占位符 3">
-            <a:extLst>
-              <a:ext uri="{FF2B5EF4-FFF2-40B4-BE49-F238E27FC236}">
-                <a16:creationId xmlns:a16="http://schemas.microsoft.com/office/drawing/2014/main" id="{E179DB6E-3D14-4C7E-A860-354ABD916C1F}"/>
-              </a:ext>
-            </a:extLst>
-          </p:cNvPr>
+          <p:cNvPr id="4" name="内容占位符 3"/>
           <p:cNvSpPr>
             <a:spLocks noGrp="1"/>
           </p:cNvSpPr>
@@ -1397,13 +1199,7 @@
       </p:sp>
       <p:sp>
         <p:nvSpPr>
-          <p:cNvPr id="5" name="日期占位符 4">
-            <a:extLst>
-              <a:ext uri="{FF2B5EF4-FFF2-40B4-BE49-F238E27FC236}">
-                <a16:creationId xmlns:a16="http://schemas.microsoft.com/office/drawing/2014/main" id="{5A303A25-02CD-4DDA-B0DC-7B8431C6A837}"/>
-              </a:ext>
-            </a:extLst>
-          </p:cNvPr>
+          <p:cNvPr id="5" name="日期占位符 4"/>
           <p:cNvSpPr>
             <a:spLocks noGrp="1"/>
           </p:cNvSpPr>
@@ -1418,7 +1214,7 @@
           <a:p>
             <a:fld id="{B726A3B4-DB47-4A3E-AFA3-5E268DC73B71}" type="datetimeFigureOut">
               <a:rPr lang="zh-CN" altLang="en-US" smtClean="0"/>
-              <a:t>2019/12/10</a:t>
+              <a:t>2019/12/12</a:t>
             </a:fld>
             <a:endParaRPr lang="zh-CN" altLang="en-US"/>
           </a:p>
@@ -1426,13 +1222,7 @@
       </p:sp>
       <p:sp>
         <p:nvSpPr>
-          <p:cNvPr id="6" name="页脚占位符 5">
-            <a:extLst>
-              <a:ext uri="{FF2B5EF4-FFF2-40B4-BE49-F238E27FC236}">
-                <a16:creationId xmlns:a16="http://schemas.microsoft.com/office/drawing/2014/main" id="{812B8ABC-F671-4B65-A55E-3B76870F4C65}"/>
-              </a:ext>
-            </a:extLst>
-          </p:cNvPr>
+          <p:cNvPr id="6" name="页脚占位符 5"/>
           <p:cNvSpPr>
             <a:spLocks noGrp="1"/>
           </p:cNvSpPr>
@@ -1451,13 +1241,7 @@
       </p:sp>
       <p:sp>
         <p:nvSpPr>
-          <p:cNvPr id="7" name="灯片编号占位符 6">
-            <a:extLst>
-              <a:ext uri="{FF2B5EF4-FFF2-40B4-BE49-F238E27FC236}">
-                <a16:creationId xmlns:a16="http://schemas.microsoft.com/office/drawing/2014/main" id="{FF022625-15F6-47DE-A74F-9A8531B5289C}"/>
-              </a:ext>
-            </a:extLst>
-          </p:cNvPr>
+          <p:cNvPr id="7" name="灯片编号占位符 6"/>
           <p:cNvSpPr>
             <a:spLocks noGrp="1"/>
           </p:cNvSpPr>
@@ -1479,11 +1263,6 @@
         </p:txBody>
       </p:sp>
     </p:spTree>
-    <p:extLst>
-      <p:ext uri="{BB962C8B-B14F-4D97-AF65-F5344CB8AC3E}">
-        <p14:creationId xmlns:p14="http://schemas.microsoft.com/office/powerpoint/2010/main" val="928959251"/>
-      </p:ext>
-    </p:extLst>
   </p:cSld>
   <p:clrMapOvr>
     <a:masterClrMapping/>
@@ -1510,13 +1289,7 @@
       </p:grpSpPr>
       <p:sp>
         <p:nvSpPr>
-          <p:cNvPr id="2" name="标题 1">
-            <a:extLst>
-              <a:ext uri="{FF2B5EF4-FFF2-40B4-BE49-F238E27FC236}">
-                <a16:creationId xmlns:a16="http://schemas.microsoft.com/office/drawing/2014/main" id="{CED26900-4BF1-4F10-BA2E-3CDFF06AA9FE}"/>
-              </a:ext>
-            </a:extLst>
-          </p:cNvPr>
+          <p:cNvPr id="2" name="标题 1"/>
           <p:cNvSpPr>
             <a:spLocks noGrp="1"/>
           </p:cNvSpPr>
@@ -1543,13 +1316,7 @@
       </p:sp>
       <p:sp>
         <p:nvSpPr>
-          <p:cNvPr id="3" name="文本占位符 2">
-            <a:extLst>
-              <a:ext uri="{FF2B5EF4-FFF2-40B4-BE49-F238E27FC236}">
-                <a16:creationId xmlns:a16="http://schemas.microsoft.com/office/drawing/2014/main" id="{A38E233E-3625-419E-AB59-FD088FF8A8AA}"/>
-              </a:ext>
-            </a:extLst>
-          </p:cNvPr>
+          <p:cNvPr id="3" name="文本占位符 2"/>
           <p:cNvSpPr>
             <a:spLocks noGrp="1"/>
           </p:cNvSpPr>
@@ -1614,13 +1381,7 @@
       </p:sp>
       <p:sp>
         <p:nvSpPr>
-          <p:cNvPr id="4" name="内容占位符 3">
-            <a:extLst>
-              <a:ext uri="{FF2B5EF4-FFF2-40B4-BE49-F238E27FC236}">
-                <a16:creationId xmlns:a16="http://schemas.microsoft.com/office/drawing/2014/main" id="{1687DFD0-7F3E-4397-A6A1-333D79DE410A}"/>
-              </a:ext>
-            </a:extLst>
-          </p:cNvPr>
+          <p:cNvPr id="4" name="内容占位符 3"/>
           <p:cNvSpPr>
             <a:spLocks noGrp="1"/>
           </p:cNvSpPr>
@@ -1676,13 +1437,7 @@
       </p:sp>
       <p:sp>
         <p:nvSpPr>
-          <p:cNvPr id="5" name="文本占位符 4">
-            <a:extLst>
-              <a:ext uri="{FF2B5EF4-FFF2-40B4-BE49-F238E27FC236}">
-                <a16:creationId xmlns:a16="http://schemas.microsoft.com/office/drawing/2014/main" id="{EA907985-5351-4047-9E80-780094857E2D}"/>
-              </a:ext>
-            </a:extLst>
-          </p:cNvPr>
+          <p:cNvPr id="5" name="文本占位符 4"/>
           <p:cNvSpPr>
             <a:spLocks noGrp="1"/>
           </p:cNvSpPr>
@@ -1747,13 +1502,7 @@
       </p:sp>
       <p:sp>
         <p:nvSpPr>
-          <p:cNvPr id="6" name="内容占位符 5">
-            <a:extLst>
-              <a:ext uri="{FF2B5EF4-FFF2-40B4-BE49-F238E27FC236}">
-                <a16:creationId xmlns:a16="http://schemas.microsoft.com/office/drawing/2014/main" id="{8D556F23-F953-4A27-9965-9F4ABD23BFE8}"/>
-              </a:ext>
-            </a:extLst>
-          </p:cNvPr>
+          <p:cNvPr id="6" name="内容占位符 5"/>
           <p:cNvSpPr>
             <a:spLocks noGrp="1"/>
           </p:cNvSpPr>
@@ -1809,13 +1558,7 @@
       </p:sp>
       <p:sp>
         <p:nvSpPr>
-          <p:cNvPr id="7" name="日期占位符 6">
-            <a:extLst>
-              <a:ext uri="{FF2B5EF4-FFF2-40B4-BE49-F238E27FC236}">
-                <a16:creationId xmlns:a16="http://schemas.microsoft.com/office/drawing/2014/main" id="{7A4A8121-051B-4468-ADB5-24B4AF00A0F0}"/>
-              </a:ext>
-            </a:extLst>
-          </p:cNvPr>
+          <p:cNvPr id="7" name="日期占位符 6"/>
           <p:cNvSpPr>
             <a:spLocks noGrp="1"/>
           </p:cNvSpPr>
@@ -1830,7 +1573,7 @@
           <a:p>
             <a:fld id="{B726A3B4-DB47-4A3E-AFA3-5E268DC73B71}" type="datetimeFigureOut">
               <a:rPr lang="zh-CN" altLang="en-US" smtClean="0"/>
-              <a:t>2019/12/10</a:t>
+              <a:t>2019/12/12</a:t>
             </a:fld>
             <a:endParaRPr lang="zh-CN" altLang="en-US"/>
           </a:p>
@@ -1838,13 +1581,7 @@
       </p:sp>
       <p:sp>
         <p:nvSpPr>
-          <p:cNvPr id="8" name="页脚占位符 7">
-            <a:extLst>
-              <a:ext uri="{FF2B5EF4-FFF2-40B4-BE49-F238E27FC236}">
-                <a16:creationId xmlns:a16="http://schemas.microsoft.com/office/drawing/2014/main" id="{13B5CC6C-B6EE-4CAE-8A82-33D784D505BD}"/>
-              </a:ext>
-            </a:extLst>
-          </p:cNvPr>
+          <p:cNvPr id="8" name="页脚占位符 7"/>
           <p:cNvSpPr>
             <a:spLocks noGrp="1"/>
           </p:cNvSpPr>
@@ -1863,13 +1600,7 @@
       </p:sp>
       <p:sp>
         <p:nvSpPr>
-          <p:cNvPr id="9" name="灯片编号占位符 8">
-            <a:extLst>
-              <a:ext uri="{FF2B5EF4-FFF2-40B4-BE49-F238E27FC236}">
-                <a16:creationId xmlns:a16="http://schemas.microsoft.com/office/drawing/2014/main" id="{63721BB4-8129-4C28-AEEB-CD747080BBC8}"/>
-              </a:ext>
-            </a:extLst>
-          </p:cNvPr>
+          <p:cNvPr id="9" name="灯片编号占位符 8"/>
           <p:cNvSpPr>
             <a:spLocks noGrp="1"/>
           </p:cNvSpPr>
@@ -1891,11 +1622,6 @@
         </p:txBody>
       </p:sp>
     </p:spTree>
-    <p:extLst>
-      <p:ext uri="{BB962C8B-B14F-4D97-AF65-F5344CB8AC3E}">
-        <p14:creationId xmlns:p14="http://schemas.microsoft.com/office/powerpoint/2010/main" val="818695257"/>
-      </p:ext>
-    </p:extLst>
   </p:cSld>
   <p:clrMapOvr>
     <a:masterClrMapping/>
@@ -1922,13 +1648,7 @@
       </p:grpSpPr>
       <p:sp>
         <p:nvSpPr>
-          <p:cNvPr id="2" name="标题 1">
-            <a:extLst>
-              <a:ext uri="{FF2B5EF4-FFF2-40B4-BE49-F238E27FC236}">
-                <a16:creationId xmlns:a16="http://schemas.microsoft.com/office/drawing/2014/main" id="{B99097FA-66D8-459B-B085-2EA4F37E40B1}"/>
-              </a:ext>
-            </a:extLst>
-          </p:cNvPr>
+          <p:cNvPr id="2" name="标题 1"/>
           <p:cNvSpPr>
             <a:spLocks noGrp="1"/>
           </p:cNvSpPr>
@@ -1950,13 +1670,7 @@
       </p:sp>
       <p:sp>
         <p:nvSpPr>
-          <p:cNvPr id="3" name="日期占位符 2">
-            <a:extLst>
-              <a:ext uri="{FF2B5EF4-FFF2-40B4-BE49-F238E27FC236}">
-                <a16:creationId xmlns:a16="http://schemas.microsoft.com/office/drawing/2014/main" id="{627DF119-0B8A-431B-97F4-5F8F748E4DFC}"/>
-              </a:ext>
-            </a:extLst>
-          </p:cNvPr>
+          <p:cNvPr id="3" name="日期占位符 2"/>
           <p:cNvSpPr>
             <a:spLocks noGrp="1"/>
           </p:cNvSpPr>
@@ -1971,7 +1685,7 @@
           <a:p>
             <a:fld id="{B726A3B4-DB47-4A3E-AFA3-5E268DC73B71}" type="datetimeFigureOut">
               <a:rPr lang="zh-CN" altLang="en-US" smtClean="0"/>
-              <a:t>2019/12/10</a:t>
+              <a:t>2019/12/12</a:t>
             </a:fld>
             <a:endParaRPr lang="zh-CN" altLang="en-US"/>
           </a:p>
@@ -1979,13 +1693,7 @@
       </p:sp>
       <p:sp>
         <p:nvSpPr>
-          <p:cNvPr id="4" name="页脚占位符 3">
-            <a:extLst>
-              <a:ext uri="{FF2B5EF4-FFF2-40B4-BE49-F238E27FC236}">
-                <a16:creationId xmlns:a16="http://schemas.microsoft.com/office/drawing/2014/main" id="{5BA7F212-E2D4-4422-A8BD-26681314D139}"/>
-              </a:ext>
-            </a:extLst>
-          </p:cNvPr>
+          <p:cNvPr id="4" name="页脚占位符 3"/>
           <p:cNvSpPr>
             <a:spLocks noGrp="1"/>
           </p:cNvSpPr>
@@ -2004,13 +1712,7 @@
       </p:sp>
       <p:sp>
         <p:nvSpPr>
-          <p:cNvPr id="5" name="灯片编号占位符 4">
-            <a:extLst>
-              <a:ext uri="{FF2B5EF4-FFF2-40B4-BE49-F238E27FC236}">
-                <a16:creationId xmlns:a16="http://schemas.microsoft.com/office/drawing/2014/main" id="{1AA58E53-ABFF-4BE6-8030-D125B881C698}"/>
-              </a:ext>
-            </a:extLst>
-          </p:cNvPr>
+          <p:cNvPr id="5" name="灯片编号占位符 4"/>
           <p:cNvSpPr>
             <a:spLocks noGrp="1"/>
           </p:cNvSpPr>
@@ -2032,11 +1734,6 @@
         </p:txBody>
       </p:sp>
     </p:spTree>
-    <p:extLst>
-      <p:ext uri="{BB962C8B-B14F-4D97-AF65-F5344CB8AC3E}">
-        <p14:creationId xmlns:p14="http://schemas.microsoft.com/office/powerpoint/2010/main" val="3714442002"/>
-      </p:ext>
-    </p:extLst>
   </p:cSld>
   <p:clrMapOvr>
     <a:masterClrMapping/>
@@ -2063,13 +1760,7 @@
       </p:grpSpPr>
       <p:sp>
         <p:nvSpPr>
-          <p:cNvPr id="2" name="日期占位符 1">
-            <a:extLst>
-              <a:ext uri="{FF2B5EF4-FFF2-40B4-BE49-F238E27FC236}">
-                <a16:creationId xmlns:a16="http://schemas.microsoft.com/office/drawing/2014/main" id="{72F14085-5785-4C0B-BFBF-8F7AA0195C09}"/>
-              </a:ext>
-            </a:extLst>
-          </p:cNvPr>
+          <p:cNvPr id="2" name="日期占位符 1"/>
           <p:cNvSpPr>
             <a:spLocks noGrp="1"/>
           </p:cNvSpPr>
@@ -2084,7 +1775,7 @@
           <a:p>
             <a:fld id="{B726A3B4-DB47-4A3E-AFA3-5E268DC73B71}" type="datetimeFigureOut">
               <a:rPr lang="zh-CN" altLang="en-US" smtClean="0"/>
-              <a:t>2019/12/10</a:t>
+              <a:t>2019/12/12</a:t>
             </a:fld>
             <a:endParaRPr lang="zh-CN" altLang="en-US"/>
           </a:p>
@@ -2092,13 +1783,7 @@
       </p:sp>
       <p:sp>
         <p:nvSpPr>
-          <p:cNvPr id="3" name="页脚占位符 2">
-            <a:extLst>
-              <a:ext uri="{FF2B5EF4-FFF2-40B4-BE49-F238E27FC236}">
-                <a16:creationId xmlns:a16="http://schemas.microsoft.com/office/drawing/2014/main" id="{71C69E13-E596-4092-ABF7-BBE1F4C42B19}"/>
-              </a:ext>
-            </a:extLst>
-          </p:cNvPr>
+          <p:cNvPr id="3" name="页脚占位符 2"/>
           <p:cNvSpPr>
             <a:spLocks noGrp="1"/>
           </p:cNvSpPr>
@@ -2117,13 +1802,7 @@
       </p:sp>
       <p:sp>
         <p:nvSpPr>
-          <p:cNvPr id="4" name="灯片编号占位符 3">
-            <a:extLst>
-              <a:ext uri="{FF2B5EF4-FFF2-40B4-BE49-F238E27FC236}">
-                <a16:creationId xmlns:a16="http://schemas.microsoft.com/office/drawing/2014/main" id="{75C4AE7D-BB3E-4BEA-AFCF-5899555E9256}"/>
-              </a:ext>
-            </a:extLst>
-          </p:cNvPr>
+          <p:cNvPr id="4" name="灯片编号占位符 3"/>
           <p:cNvSpPr>
             <a:spLocks noGrp="1"/>
           </p:cNvSpPr>
@@ -2145,11 +1824,6 @@
         </p:txBody>
       </p:sp>
     </p:spTree>
-    <p:extLst>
-      <p:ext uri="{BB962C8B-B14F-4D97-AF65-F5344CB8AC3E}">
-        <p14:creationId xmlns:p14="http://schemas.microsoft.com/office/powerpoint/2010/main" val="573246853"/>
-      </p:ext>
-    </p:extLst>
   </p:cSld>
   <p:clrMapOvr>
     <a:masterClrMapping/>
@@ -2176,13 +1850,7 @@
       </p:grpSpPr>
       <p:sp>
         <p:nvSpPr>
-          <p:cNvPr id="2" name="标题 1">
-            <a:extLst>
-              <a:ext uri="{FF2B5EF4-FFF2-40B4-BE49-F238E27FC236}">
-                <a16:creationId xmlns:a16="http://schemas.microsoft.com/office/drawing/2014/main" id="{5BB563BB-9ACD-40A3-A2D5-3D45A783D202}"/>
-              </a:ext>
-            </a:extLst>
-          </p:cNvPr>
+          <p:cNvPr id="2" name="标题 1"/>
           <p:cNvSpPr>
             <a:spLocks noGrp="1"/>
           </p:cNvSpPr>
@@ -2213,13 +1881,7 @@
       </p:sp>
       <p:sp>
         <p:nvSpPr>
-          <p:cNvPr id="3" name="内容占位符 2">
-            <a:extLst>
-              <a:ext uri="{FF2B5EF4-FFF2-40B4-BE49-F238E27FC236}">
-                <a16:creationId xmlns:a16="http://schemas.microsoft.com/office/drawing/2014/main" id="{44A5E3EE-02A7-49E9-86A1-222FEB532DB6}"/>
-              </a:ext>
-            </a:extLst>
-          </p:cNvPr>
+          <p:cNvPr id="3" name="内容占位符 2"/>
           <p:cNvSpPr>
             <a:spLocks noGrp="1"/>
           </p:cNvSpPr>
@@ -2303,13 +1965,7 @@
       </p:sp>
       <p:sp>
         <p:nvSpPr>
-          <p:cNvPr id="4" name="文本占位符 3">
-            <a:extLst>
-              <a:ext uri="{FF2B5EF4-FFF2-40B4-BE49-F238E27FC236}">
-                <a16:creationId xmlns:a16="http://schemas.microsoft.com/office/drawing/2014/main" id="{40DCAB19-0DE0-46EF-9EAA-879AED2AFBAD}"/>
-              </a:ext>
-            </a:extLst>
-          </p:cNvPr>
+          <p:cNvPr id="4" name="文本占位符 3"/>
           <p:cNvSpPr>
             <a:spLocks noGrp="1"/>
           </p:cNvSpPr>
@@ -2374,13 +2030,7 @@
       </p:sp>
       <p:sp>
         <p:nvSpPr>
-          <p:cNvPr id="5" name="日期占位符 4">
-            <a:extLst>
-              <a:ext uri="{FF2B5EF4-FFF2-40B4-BE49-F238E27FC236}">
-                <a16:creationId xmlns:a16="http://schemas.microsoft.com/office/drawing/2014/main" id="{62238F95-C288-4847-9783-9116A2736990}"/>
-              </a:ext>
-            </a:extLst>
-          </p:cNvPr>
+          <p:cNvPr id="5" name="日期占位符 4"/>
           <p:cNvSpPr>
             <a:spLocks noGrp="1"/>
           </p:cNvSpPr>
@@ -2395,7 +2045,7 @@
           <a:p>
             <a:fld id="{B726A3B4-DB47-4A3E-AFA3-5E268DC73B71}" type="datetimeFigureOut">
               <a:rPr lang="zh-CN" altLang="en-US" smtClean="0"/>
-              <a:t>2019/12/10</a:t>
+              <a:t>2019/12/12</a:t>
             </a:fld>
             <a:endParaRPr lang="zh-CN" altLang="en-US"/>
           </a:p>
@@ -2403,13 +2053,7 @@
       </p:sp>
       <p:sp>
         <p:nvSpPr>
-          <p:cNvPr id="6" name="页脚占位符 5">
-            <a:extLst>
-              <a:ext uri="{FF2B5EF4-FFF2-40B4-BE49-F238E27FC236}">
-                <a16:creationId xmlns:a16="http://schemas.microsoft.com/office/drawing/2014/main" id="{6F5FD2EA-0579-4087-AF1D-8D2783507739}"/>
-              </a:ext>
-            </a:extLst>
-          </p:cNvPr>
+          <p:cNvPr id="6" name="页脚占位符 5"/>
           <p:cNvSpPr>
             <a:spLocks noGrp="1"/>
           </p:cNvSpPr>
@@ -2428,13 +2072,7 @@
       </p:sp>
       <p:sp>
         <p:nvSpPr>
-          <p:cNvPr id="7" name="灯片编号占位符 6">
-            <a:extLst>
-              <a:ext uri="{FF2B5EF4-FFF2-40B4-BE49-F238E27FC236}">
-                <a16:creationId xmlns:a16="http://schemas.microsoft.com/office/drawing/2014/main" id="{49AE4E4C-DD06-4F92-8D2E-D0BAF2A2CA74}"/>
-              </a:ext>
-            </a:extLst>
-          </p:cNvPr>
+          <p:cNvPr id="7" name="灯片编号占位符 6"/>
           <p:cNvSpPr>
             <a:spLocks noGrp="1"/>
           </p:cNvSpPr>
@@ -2456,11 +2094,6 @@
         </p:txBody>
       </p:sp>
     </p:spTree>
-    <p:extLst>
-      <p:ext uri="{BB962C8B-B14F-4D97-AF65-F5344CB8AC3E}">
-        <p14:creationId xmlns:p14="http://schemas.microsoft.com/office/powerpoint/2010/main" val="3085025057"/>
-      </p:ext>
-    </p:extLst>
   </p:cSld>
   <p:clrMapOvr>
     <a:masterClrMapping/>
@@ -2487,13 +2120,7 @@
       </p:grpSpPr>
       <p:sp>
         <p:nvSpPr>
-          <p:cNvPr id="2" name="标题 1">
-            <a:extLst>
-              <a:ext uri="{FF2B5EF4-FFF2-40B4-BE49-F238E27FC236}">
-                <a16:creationId xmlns:a16="http://schemas.microsoft.com/office/drawing/2014/main" id="{FD262CAF-6817-4671-95E8-EEC4D7ABA0BE}"/>
-              </a:ext>
-            </a:extLst>
-          </p:cNvPr>
+          <p:cNvPr id="2" name="标题 1"/>
           <p:cNvSpPr>
             <a:spLocks noGrp="1"/>
           </p:cNvSpPr>
@@ -2524,13 +2151,7 @@
       </p:sp>
       <p:sp>
         <p:nvSpPr>
-          <p:cNvPr id="3" name="图片占位符 2">
-            <a:extLst>
-              <a:ext uri="{FF2B5EF4-FFF2-40B4-BE49-F238E27FC236}">
-                <a16:creationId xmlns:a16="http://schemas.microsoft.com/office/drawing/2014/main" id="{DA5195E1-5D7A-4ABE-A94B-AC0F203ADA2C}"/>
-              </a:ext>
-            </a:extLst>
-          </p:cNvPr>
+          <p:cNvPr id="3" name="图片占位符 2"/>
           <p:cNvSpPr>
             <a:spLocks noGrp="1"/>
           </p:cNvSpPr>
@@ -2591,13 +2212,7 @@
       </p:sp>
       <p:sp>
         <p:nvSpPr>
-          <p:cNvPr id="4" name="文本占位符 3">
-            <a:extLst>
-              <a:ext uri="{FF2B5EF4-FFF2-40B4-BE49-F238E27FC236}">
-                <a16:creationId xmlns:a16="http://schemas.microsoft.com/office/drawing/2014/main" id="{2F783355-2E5D-45C1-9D4C-6C45173E6FD5}"/>
-              </a:ext>
-            </a:extLst>
-          </p:cNvPr>
+          <p:cNvPr id="4" name="文本占位符 3"/>
           <p:cNvSpPr>
             <a:spLocks noGrp="1"/>
           </p:cNvSpPr>
@@ -2662,13 +2277,7 @@
       </p:sp>
       <p:sp>
         <p:nvSpPr>
-          <p:cNvPr id="5" name="日期占位符 4">
-            <a:extLst>
-              <a:ext uri="{FF2B5EF4-FFF2-40B4-BE49-F238E27FC236}">
-                <a16:creationId xmlns:a16="http://schemas.microsoft.com/office/drawing/2014/main" id="{C0DCFBE1-D4E6-48CC-A7B2-506C4B633403}"/>
-              </a:ext>
-            </a:extLst>
-          </p:cNvPr>
+          <p:cNvPr id="5" name="日期占位符 4"/>
           <p:cNvSpPr>
             <a:spLocks noGrp="1"/>
           </p:cNvSpPr>
@@ -2683,7 +2292,7 @@
           <a:p>
             <a:fld id="{B726A3B4-DB47-4A3E-AFA3-5E268DC73B71}" type="datetimeFigureOut">
               <a:rPr lang="zh-CN" altLang="en-US" smtClean="0"/>
-              <a:t>2019/12/10</a:t>
+              <a:t>2019/12/12</a:t>
             </a:fld>
             <a:endParaRPr lang="zh-CN" altLang="en-US"/>
           </a:p>
@@ -2691,13 +2300,7 @@
       </p:sp>
       <p:sp>
         <p:nvSpPr>
-          <p:cNvPr id="6" name="页脚占位符 5">
-            <a:extLst>
-              <a:ext uri="{FF2B5EF4-FFF2-40B4-BE49-F238E27FC236}">
-                <a16:creationId xmlns:a16="http://schemas.microsoft.com/office/drawing/2014/main" id="{C5C647A9-6F16-40D7-A87E-D54E97A4E939}"/>
-              </a:ext>
-            </a:extLst>
-          </p:cNvPr>
+          <p:cNvPr id="6" name="页脚占位符 5"/>
           <p:cNvSpPr>
             <a:spLocks noGrp="1"/>
           </p:cNvSpPr>
@@ -2716,13 +2319,7 @@
       </p:sp>
       <p:sp>
         <p:nvSpPr>
-          <p:cNvPr id="7" name="灯片编号占位符 6">
-            <a:extLst>
-              <a:ext uri="{FF2B5EF4-FFF2-40B4-BE49-F238E27FC236}">
-                <a16:creationId xmlns:a16="http://schemas.microsoft.com/office/drawing/2014/main" id="{45CD8215-1188-4DFE-8133-3F5D2FDB08A2}"/>
-              </a:ext>
-            </a:extLst>
-          </p:cNvPr>
+          <p:cNvPr id="7" name="灯片编号占位符 6"/>
           <p:cNvSpPr>
             <a:spLocks noGrp="1"/>
           </p:cNvSpPr>
@@ -2744,11 +2341,6 @@
         </p:txBody>
       </p:sp>
     </p:spTree>
-    <p:extLst>
-      <p:ext uri="{BB962C8B-B14F-4D97-AF65-F5344CB8AC3E}">
-        <p14:creationId xmlns:p14="http://schemas.microsoft.com/office/powerpoint/2010/main" val="1892337315"/>
-      </p:ext>
-    </p:extLst>
   </p:cSld>
   <p:clrMapOvr>
     <a:masterClrMapping/>
@@ -2780,13 +2372,7 @@
       </p:grpSpPr>
       <p:sp>
         <p:nvSpPr>
-          <p:cNvPr id="2" name="标题占位符 1">
-            <a:extLst>
-              <a:ext uri="{FF2B5EF4-FFF2-40B4-BE49-F238E27FC236}">
-                <a16:creationId xmlns:a16="http://schemas.microsoft.com/office/drawing/2014/main" id="{B67B6921-D66F-44E0-B756-7849C50B2D15}"/>
-              </a:ext>
-            </a:extLst>
-          </p:cNvPr>
+          <p:cNvPr id="2" name="标题占位符 1"/>
           <p:cNvSpPr>
             <a:spLocks noGrp="1"/>
           </p:cNvSpPr>
@@ -2818,13 +2404,7 @@
       </p:sp>
       <p:sp>
         <p:nvSpPr>
-          <p:cNvPr id="3" name="文本占位符 2">
-            <a:extLst>
-              <a:ext uri="{FF2B5EF4-FFF2-40B4-BE49-F238E27FC236}">
-                <a16:creationId xmlns:a16="http://schemas.microsoft.com/office/drawing/2014/main" id="{1E65A0E4-BCBE-413D-8A30-775D7E438373}"/>
-              </a:ext>
-            </a:extLst>
-          </p:cNvPr>
+          <p:cNvPr id="3" name="文本占位符 2"/>
           <p:cNvSpPr>
             <a:spLocks noGrp="1"/>
           </p:cNvSpPr>
@@ -2885,13 +2465,7 @@
       </p:sp>
       <p:sp>
         <p:nvSpPr>
-          <p:cNvPr id="4" name="日期占位符 3">
-            <a:extLst>
-              <a:ext uri="{FF2B5EF4-FFF2-40B4-BE49-F238E27FC236}">
-                <a16:creationId xmlns:a16="http://schemas.microsoft.com/office/drawing/2014/main" id="{15252624-86FE-45F2-9B57-4F12499F7552}"/>
-              </a:ext>
-            </a:extLst>
-          </p:cNvPr>
+          <p:cNvPr id="4" name="日期占位符 3"/>
           <p:cNvSpPr>
             <a:spLocks noGrp="1"/>
           </p:cNvSpPr>
@@ -2924,7 +2498,7 @@
           <a:p>
             <a:fld id="{B726A3B4-DB47-4A3E-AFA3-5E268DC73B71}" type="datetimeFigureOut">
               <a:rPr lang="zh-CN" altLang="en-US" smtClean="0"/>
-              <a:t>2019/12/10</a:t>
+              <a:t>2019/12/12</a:t>
             </a:fld>
             <a:endParaRPr lang="zh-CN" altLang="en-US"/>
           </a:p>
@@ -2932,13 +2506,7 @@
       </p:sp>
       <p:sp>
         <p:nvSpPr>
-          <p:cNvPr id="5" name="页脚占位符 4">
-            <a:extLst>
-              <a:ext uri="{FF2B5EF4-FFF2-40B4-BE49-F238E27FC236}">
-                <a16:creationId xmlns:a16="http://schemas.microsoft.com/office/drawing/2014/main" id="{8BB014B7-EE34-4230-A20A-847FBEB1A2B4}"/>
-              </a:ext>
-            </a:extLst>
-          </p:cNvPr>
+          <p:cNvPr id="5" name="页脚占位符 4"/>
           <p:cNvSpPr>
             <a:spLocks noGrp="1"/>
           </p:cNvSpPr>
@@ -2975,13 +2543,7 @@
       </p:sp>
       <p:sp>
         <p:nvSpPr>
-          <p:cNvPr id="6" name="灯片编号占位符 5">
-            <a:extLst>
-              <a:ext uri="{FF2B5EF4-FFF2-40B4-BE49-F238E27FC236}">
-                <a16:creationId xmlns:a16="http://schemas.microsoft.com/office/drawing/2014/main" id="{95F98DAD-00F4-4B53-997B-6001117A6B91}"/>
-              </a:ext>
-            </a:extLst>
-          </p:cNvPr>
+          <p:cNvPr id="6" name="灯片编号占位符 5"/>
           <p:cNvSpPr>
             <a:spLocks noGrp="1"/>
           </p:cNvSpPr>
@@ -3021,11 +2583,6 @@
         </p:txBody>
       </p:sp>
     </p:spTree>
-    <p:extLst>
-      <p:ext uri="{BB962C8B-B14F-4D97-AF65-F5344CB8AC3E}">
-        <p14:creationId xmlns:p14="http://schemas.microsoft.com/office/powerpoint/2010/main" val="1441866843"/>
-      </p:ext>
-    </p:extLst>
   </p:cSld>
   <p:clrMap bg1="lt1" tx1="dk1" bg2="lt2" tx2="dk2" accent1="accent1" accent2="accent2" accent3="accent3" accent4="accent4" accent5="accent5" accent6="accent6" hlink="hlink" folHlink="folHlink"/>
   <p:sldLayoutIdLst>
@@ -3343,13 +2900,7 @@
       </p:grpSpPr>
       <p:sp>
         <p:nvSpPr>
-          <p:cNvPr id="4" name="文本框 3">
-            <a:extLst>
-              <a:ext uri="{FF2B5EF4-FFF2-40B4-BE49-F238E27FC236}">
-                <a16:creationId xmlns:a16="http://schemas.microsoft.com/office/drawing/2014/main" id="{64F465FF-6874-4735-A69A-E7E70FD8A150}"/>
-              </a:ext>
-            </a:extLst>
-          </p:cNvPr>
+          <p:cNvPr id="4" name="文本框 3"/>
           <p:cNvSpPr txBox="1"/>
           <p:nvPr/>
         </p:nvSpPr>
@@ -3382,13 +2933,7 @@
       </p:sp>
       <p:sp>
         <p:nvSpPr>
-          <p:cNvPr id="5" name="文本框 4">
-            <a:extLst>
-              <a:ext uri="{FF2B5EF4-FFF2-40B4-BE49-F238E27FC236}">
-                <a16:creationId xmlns:a16="http://schemas.microsoft.com/office/drawing/2014/main" id="{7EDE6F19-BB0D-49C9-9A9E-23CF5A0F6FFA}"/>
-              </a:ext>
-            </a:extLst>
-          </p:cNvPr>
+          <p:cNvPr id="5" name="文本框 4"/>
           <p:cNvSpPr txBox="1"/>
           <p:nvPr/>
         </p:nvSpPr>
@@ -3426,13 +2971,7 @@
       </p:sp>
       <p:sp>
         <p:nvSpPr>
-          <p:cNvPr id="6" name="文本框 5">
-            <a:extLst>
-              <a:ext uri="{FF2B5EF4-FFF2-40B4-BE49-F238E27FC236}">
-                <a16:creationId xmlns:a16="http://schemas.microsoft.com/office/drawing/2014/main" id="{0EE7E537-E387-4913-82CB-D6EC95965A02}"/>
-              </a:ext>
-            </a:extLst>
-          </p:cNvPr>
+          <p:cNvPr id="6" name="文本框 5"/>
           <p:cNvSpPr txBox="1"/>
           <p:nvPr/>
         </p:nvSpPr>
@@ -3465,13 +3004,7 @@
       </p:sp>
       <p:sp>
         <p:nvSpPr>
-          <p:cNvPr id="7" name="文本框 6">
-            <a:extLst>
-              <a:ext uri="{FF2B5EF4-FFF2-40B4-BE49-F238E27FC236}">
-                <a16:creationId xmlns:a16="http://schemas.microsoft.com/office/drawing/2014/main" id="{E130F059-E799-4C36-A270-8769DD49973B}"/>
-              </a:ext>
-            </a:extLst>
-          </p:cNvPr>
+          <p:cNvPr id="7" name="文本框 6"/>
           <p:cNvSpPr txBox="1"/>
           <p:nvPr/>
         </p:nvSpPr>
@@ -3509,13 +3042,7 @@
       </p:sp>
       <p:sp>
         <p:nvSpPr>
-          <p:cNvPr id="8" name="矩形 7">
-            <a:extLst>
-              <a:ext uri="{FF2B5EF4-FFF2-40B4-BE49-F238E27FC236}">
-                <a16:creationId xmlns:a16="http://schemas.microsoft.com/office/drawing/2014/main" id="{8C278EBA-2722-4C33-B5E2-C687F384EA9E}"/>
-              </a:ext>
-            </a:extLst>
-          </p:cNvPr>
+          <p:cNvPr id="8" name="矩形 7"/>
           <p:cNvSpPr/>
           <p:nvPr/>
         </p:nvSpPr>
@@ -3567,13 +3094,7 @@
       </p:sp>
       <p:sp>
         <p:nvSpPr>
-          <p:cNvPr id="9" name="文本框 8">
-            <a:extLst>
-              <a:ext uri="{FF2B5EF4-FFF2-40B4-BE49-F238E27FC236}">
-                <a16:creationId xmlns:a16="http://schemas.microsoft.com/office/drawing/2014/main" id="{2EFC878A-F7F2-47CB-8639-45591D775854}"/>
-              </a:ext>
-            </a:extLst>
-          </p:cNvPr>
+          <p:cNvPr id="9" name="文本框 8"/>
           <p:cNvSpPr txBox="1"/>
           <p:nvPr/>
         </p:nvSpPr>
@@ -3611,13 +3132,7 @@
       </p:sp>
       <p:sp>
         <p:nvSpPr>
-          <p:cNvPr id="2" name="矩形 1">
-            <a:extLst>
-              <a:ext uri="{FF2B5EF4-FFF2-40B4-BE49-F238E27FC236}">
-                <a16:creationId xmlns:a16="http://schemas.microsoft.com/office/drawing/2014/main" id="{4D65F870-B312-4403-B41C-51F952729CD9}"/>
-              </a:ext>
-            </a:extLst>
-          </p:cNvPr>
+          <p:cNvPr id="2" name="矩形 1"/>
           <p:cNvSpPr/>
           <p:nvPr/>
         </p:nvSpPr>
@@ -3669,13 +3184,7 @@
       </p:sp>
       <p:sp>
         <p:nvSpPr>
-          <p:cNvPr id="10" name="矩形 9">
-            <a:extLst>
-              <a:ext uri="{FF2B5EF4-FFF2-40B4-BE49-F238E27FC236}">
-                <a16:creationId xmlns:a16="http://schemas.microsoft.com/office/drawing/2014/main" id="{76D49913-0D65-40E1-AECE-7F09D04317D7}"/>
-              </a:ext>
-            </a:extLst>
-          </p:cNvPr>
+          <p:cNvPr id="10" name="矩形 9"/>
           <p:cNvSpPr/>
           <p:nvPr/>
         </p:nvSpPr>
@@ -3726,11 +3235,6 @@
         </p:txBody>
       </p:sp>
     </p:spTree>
-    <p:extLst>
-      <p:ext uri="{BB962C8B-B14F-4D97-AF65-F5344CB8AC3E}">
-        <p14:creationId xmlns:p14="http://schemas.microsoft.com/office/powerpoint/2010/main" val="3593960738"/>
-      </p:ext>
-    </p:extLst>
   </p:cSld>
   <p:clrMapOvr>
     <a:masterClrMapping/>
@@ -3757,13 +3261,2086 @@
       </p:grpSpPr>
       <p:sp>
         <p:nvSpPr>
-          <p:cNvPr id="8" name="矩形 7">
-            <a:extLst>
-              <a:ext uri="{FF2B5EF4-FFF2-40B4-BE49-F238E27FC236}">
-                <a16:creationId xmlns:a16="http://schemas.microsoft.com/office/drawing/2014/main" id="{8C278EBA-2722-4C33-B5E2-C687F384EA9E}"/>
-              </a:ext>
-            </a:extLst>
-          </p:cNvPr>
+          <p:cNvPr id="2" name="标题 1"/>
+          <p:cNvSpPr>
+            <a:spLocks noGrp="1"/>
+          </p:cNvSpPr>
+          <p:nvPr>
+            <p:ph type="title"/>
+          </p:nvPr>
+        </p:nvSpPr>
+        <p:spPr/>
+        <p:txBody>
+          <a:bodyPr/>
+          <a:lstStyle/>
+          <a:p>
+            <a:endParaRPr lang="zh-CN" altLang="en-US"/>
+          </a:p>
+        </p:txBody>
+      </p:sp>
+      <p:graphicFrame>
+        <p:nvGraphicFramePr>
+          <p:cNvPr id="4" name="内容占位符 3"/>
+          <p:cNvGraphicFramePr>
+            <a:graphicFrameLocks noGrp="1"/>
+          </p:cNvGraphicFramePr>
+          <p:nvPr>
+            <p:ph idx="1"/>
+            <p:custDataLst>
+              <p:tags r:id="rId1"/>
+            </p:custDataLst>
+            <p:extLst>
+              <p:ext uri="{D42A27DB-BD31-4B8C-83A1-F6EECF244321}">
+                <p14:modId xmlns:p14="http://schemas.microsoft.com/office/powerpoint/2010/main" val="2858559876"/>
+              </p:ext>
+            </p:extLst>
+          </p:nvPr>
+        </p:nvGraphicFramePr>
+        <p:xfrm>
+          <a:off x="838200" y="1825625"/>
+          <a:ext cx="10515600" cy="3252470"/>
+        </p:xfrm>
+        <a:graphic>
+          <a:graphicData uri="http://schemas.openxmlformats.org/drawingml/2006/table">
+            <a:tbl>
+              <a:tblPr/>
+              <a:tblGrid>
+                <a:gridCol w="3707130">
+                  <a:extLst>
+                    <a:ext uri="{9D8B030D-6E8A-4147-A177-3AD203B41FA5}">
+                      <a16:colId xmlns:a16="http://schemas.microsoft.com/office/drawing/2014/main" val="20000"/>
+                    </a:ext>
+                  </a:extLst>
+                </a:gridCol>
+                <a:gridCol w="3039745">
+                  <a:extLst>
+                    <a:ext uri="{9D8B030D-6E8A-4147-A177-3AD203B41FA5}">
+                      <a16:colId xmlns:a16="http://schemas.microsoft.com/office/drawing/2014/main" val="20001"/>
+                    </a:ext>
+                  </a:extLst>
+                </a:gridCol>
+                <a:gridCol w="3768725">
+                  <a:extLst>
+                    <a:ext uri="{9D8B030D-6E8A-4147-A177-3AD203B41FA5}">
+                      <a16:colId xmlns:a16="http://schemas.microsoft.com/office/drawing/2014/main" val="20002"/>
+                    </a:ext>
+                  </a:extLst>
+                </a:gridCol>
+              </a:tblGrid>
+              <a:tr h="405765">
+                <a:tc>
+                  <a:txBody>
+                    <a:bodyPr/>
+                    <a:lstStyle/>
+                    <a:p>
+                      <a:pPr algn="ctr" fontAlgn="ctr"/>
+                      <a:r>
+                        <a:rPr lang="zh-CN" altLang="en-US" sz="1400" b="0" i="0" u="none" strike="noStrike" dirty="0">
+                          <a:solidFill>
+                            <a:schemeClr val="tx1">
+                              <a:lumMod val="65000"/>
+                              <a:lumOff val="35000"/>
+                            </a:schemeClr>
+                          </a:solidFill>
+                          <a:effectLst/>
+                          <a:latin typeface="方正黑体简体" panose="02000000000000000000" pitchFamily="2" charset="-122"/>
+                          <a:ea typeface="方正黑体简体" panose="02000000000000000000" pitchFamily="2" charset="-122"/>
+                        </a:rPr>
+                        <a:t>排名</a:t>
+                      </a:r>
+                    </a:p>
+                  </a:txBody>
+                  <a:tcPr marL="6350" marR="6350" marT="6350" marB="0" anchor="ctr">
+                    <a:lnL>
+                      <a:noFill/>
+                    </a:lnL>
+                    <a:lnR>
+                      <a:noFill/>
+                    </a:lnR>
+                    <a:lnT>
+                      <a:noFill/>
+                    </a:lnT>
+                    <a:lnB w="25400" cap="flat" cmpd="dbl" algn="ctr">
+                      <a:solidFill>
+                        <a:srgbClr val="000000"/>
+                      </a:solidFill>
+                      <a:prstDash val="solid"/>
+                      <a:round/>
+                      <a:headEnd type="none" w="med" len="med"/>
+                      <a:tailEnd type="none" w="med" len="med"/>
+                    </a:lnB>
+                    <a:noFill/>
+                  </a:tcPr>
+                </a:tc>
+                <a:tc>
+                  <a:txBody>
+                    <a:bodyPr/>
+                    <a:lstStyle/>
+                    <a:p>
+                      <a:pPr algn="ctr" fontAlgn="ctr"/>
+                      <a:r>
+                        <a:rPr lang="zh-CN" altLang="en-US" sz="1400" b="0" i="0" u="none" strike="noStrike" dirty="0">
+                          <a:solidFill>
+                            <a:schemeClr val="tx1">
+                              <a:lumMod val="65000"/>
+                              <a:lumOff val="35000"/>
+                            </a:schemeClr>
+                          </a:solidFill>
+                          <a:effectLst/>
+                          <a:latin typeface="方正黑体简体" panose="02000000000000000000" pitchFamily="2" charset="-122"/>
+                          <a:ea typeface="方正黑体简体" panose="02000000000000000000" pitchFamily="2" charset="-122"/>
+                        </a:rPr>
+                        <a:t>景区名称</a:t>
+                      </a:r>
+                    </a:p>
+                  </a:txBody>
+                  <a:tcPr marL="6350" marR="6350" marT="6350" marB="0" anchor="ctr">
+                    <a:lnL>
+                      <a:noFill/>
+                    </a:lnL>
+                    <a:lnR>
+                      <a:noFill/>
+                    </a:lnR>
+                    <a:lnT>
+                      <a:noFill/>
+                    </a:lnT>
+                    <a:lnB w="25400" cap="flat" cmpd="dbl" algn="ctr">
+                      <a:solidFill>
+                        <a:srgbClr val="000000"/>
+                      </a:solidFill>
+                      <a:prstDash val="solid"/>
+                      <a:round/>
+                      <a:headEnd type="none" w="med" len="med"/>
+                      <a:tailEnd type="none" w="med" len="med"/>
+                    </a:lnB>
+                    <a:noFill/>
+                  </a:tcPr>
+                </a:tc>
+                <a:tc>
+                  <a:txBody>
+                    <a:bodyPr/>
+                    <a:lstStyle/>
+                    <a:p>
+                      <a:pPr algn="ctr" fontAlgn="ctr"/>
+                      <a:r>
+                        <a:rPr lang="zh-CN" altLang="en-US" sz="1400" b="0" i="0" u="none" strike="noStrike" dirty="0">
+                          <a:solidFill>
+                            <a:schemeClr val="tx1">
+                              <a:lumMod val="65000"/>
+                              <a:lumOff val="35000"/>
+                            </a:schemeClr>
+                          </a:solidFill>
+                          <a:effectLst/>
+                          <a:latin typeface="方正黑体简体" panose="02000000000000000000" pitchFamily="2" charset="-122"/>
+                          <a:ea typeface="方正黑体简体" panose="02000000000000000000" pitchFamily="2" charset="-122"/>
+                        </a:rPr>
+                        <a:t>接待游客量（人次）</a:t>
+                      </a:r>
+                    </a:p>
+                  </a:txBody>
+                  <a:tcPr marL="6350" marR="6350" marT="6350" marB="0" anchor="ctr">
+                    <a:lnL>
+                      <a:noFill/>
+                    </a:lnL>
+                    <a:lnR>
+                      <a:noFill/>
+                    </a:lnR>
+                    <a:lnT>
+                      <a:noFill/>
+                    </a:lnT>
+                    <a:lnB w="25400" cap="flat" cmpd="dbl" algn="ctr">
+                      <a:solidFill>
+                        <a:srgbClr val="000000"/>
+                      </a:solidFill>
+                      <a:prstDash val="solid"/>
+                      <a:round/>
+                      <a:headEnd type="none" w="med" len="med"/>
+                      <a:tailEnd type="none" w="med" len="med"/>
+                    </a:lnB>
+                    <a:noFill/>
+                  </a:tcPr>
+                </a:tc>
+                <a:extLst>
+                  <a:ext uri="{0D108BD9-81ED-4DB2-BD59-A6C34878D82A}">
+                    <a16:rowId xmlns:a16="http://schemas.microsoft.com/office/drawing/2014/main" val="10000"/>
+                  </a:ext>
+                </a:extLst>
+              </a:tr>
+              <a:tr h="293370">
+                <a:tc>
+                  <a:txBody>
+                    <a:bodyPr/>
+                    <a:lstStyle/>
+                    <a:p>
+                      <a:pPr algn="ctr" fontAlgn="ctr"/>
+                      <a:r>
+                        <a:rPr lang="en-US" altLang="zh-CN" sz="1200" b="1" i="0" u="none" strike="noStrike" dirty="0">
+                          <a:solidFill>
+                            <a:srgbClr val="E2483D"/>
+                          </a:solidFill>
+                          <a:effectLst/>
+                          <a:latin typeface="方正黑体简体" panose="02000000000000000000" pitchFamily="2" charset="-122"/>
+                          <a:ea typeface="方正黑体简体" panose="02000000000000000000" pitchFamily="2" charset="-122"/>
+                        </a:rPr>
+                        <a:t>#</a:t>
+                      </a:r>
+                      <a:r>
+                        <a:rPr lang="en-US" altLang="zh-CN" sz="1200" b="1" i="0" u="none" strike="noStrike" dirty="0" err="1">
+                          <a:solidFill>
+                            <a:srgbClr val="E2483D"/>
+                          </a:solidFill>
+                          <a:effectLst/>
+                          <a:latin typeface="方正黑体简体" panose="02000000000000000000" pitchFamily="2" charset="-122"/>
+                          <a:ea typeface="方正黑体简体" panose="02000000000000000000" pitchFamily="2" charset="-122"/>
+                        </a:rPr>
+                        <a:t>table_begin_data</a:t>
+                      </a:r>
+                      <a:r>
+                        <a:rPr lang="en-US" altLang="zh-CN" sz="1200" b="1" i="0" u="none" strike="noStrike" dirty="0">
+                          <a:solidFill>
+                            <a:srgbClr val="E2483D"/>
+                          </a:solidFill>
+                          <a:effectLst/>
+                          <a:latin typeface="方正黑体简体" panose="02000000000000000000" pitchFamily="2" charset="-122"/>
+                          <a:ea typeface="方正黑体简体" panose="02000000000000000000" pitchFamily="2" charset="-122"/>
+                        </a:rPr>
+                        <a:t>#</a:t>
+                      </a:r>
+                    </a:p>
+                  </a:txBody>
+                  <a:tcPr marL="6350" marR="6350" marT="6350" marB="0" anchor="ctr">
+                    <a:lnL>
+                      <a:noFill/>
+                    </a:lnL>
+                    <a:lnR>
+                      <a:noFill/>
+                    </a:lnR>
+                    <a:lnT w="25400" cap="flat" cmpd="dbl" algn="ctr">
+                      <a:solidFill>
+                        <a:srgbClr val="000000"/>
+                      </a:solidFill>
+                      <a:prstDash val="solid"/>
+                      <a:round/>
+                      <a:headEnd type="none" w="med" len="med"/>
+                      <a:tailEnd type="none" w="med" len="med"/>
+                    </a:lnT>
+                    <a:lnB>
+                      <a:noFill/>
+                    </a:lnB>
+                    <a:noFill/>
+                  </a:tcPr>
+                </a:tc>
+                <a:tc>
+                  <a:txBody>
+                    <a:bodyPr/>
+                    <a:lstStyle/>
+                    <a:p>
+                      <a:pPr algn="ctr" fontAlgn="ctr"/>
+                      <a:r>
+                        <a:rPr lang="en-US" altLang="zh-CN" sz="1200" b="1" i="0" u="none" strike="noStrike" dirty="0">
+                          <a:solidFill>
+                            <a:srgbClr val="E2483D"/>
+                          </a:solidFill>
+                          <a:effectLst/>
+                          <a:latin typeface="方正黑体简体" panose="02000000000000000000" pitchFamily="2" charset="-122"/>
+                          <a:ea typeface="方正黑体简体" panose="02000000000000000000" pitchFamily="2" charset="-122"/>
+                        </a:rPr>
+                        <a:t>#</a:t>
+                      </a:r>
+                      <a:r>
+                        <a:rPr lang="en-US" altLang="zh-CN" sz="1200" b="1" i="0" u="none" strike="noStrike" dirty="0" err="1">
+                          <a:solidFill>
+                            <a:srgbClr val="E2483D"/>
+                          </a:solidFill>
+                          <a:effectLst/>
+                          <a:latin typeface="方正黑体简体" panose="02000000000000000000" pitchFamily="2" charset="-122"/>
+                          <a:ea typeface="方正黑体简体" panose="02000000000000000000" pitchFamily="2" charset="-122"/>
+                        </a:rPr>
+                        <a:t>table_begin_data</a:t>
+                      </a:r>
+                      <a:r>
+                        <a:rPr lang="en-US" altLang="zh-CN" sz="1200" b="1" i="0" u="none" strike="noStrike" dirty="0">
+                          <a:solidFill>
+                            <a:srgbClr val="E2483D"/>
+                          </a:solidFill>
+                          <a:effectLst/>
+                          <a:latin typeface="方正黑体简体" panose="02000000000000000000" pitchFamily="2" charset="-122"/>
+                          <a:ea typeface="方正黑体简体" panose="02000000000000000000" pitchFamily="2" charset="-122"/>
+                        </a:rPr>
+                        <a:t>#</a:t>
+                      </a:r>
+                      <a:endParaRPr lang="zh-CN" altLang="en-US" sz="1200" b="1" i="0" u="none" strike="noStrike" dirty="0">
+                        <a:solidFill>
+                          <a:srgbClr val="E2483D"/>
+                        </a:solidFill>
+                        <a:effectLst/>
+                        <a:latin typeface="方正黑体简体" panose="02000000000000000000" pitchFamily="2" charset="-122"/>
+                        <a:ea typeface="方正黑体简体" panose="02000000000000000000" pitchFamily="2" charset="-122"/>
+                      </a:endParaRPr>
+                    </a:p>
+                  </a:txBody>
+                  <a:tcPr marL="6350" marR="6350" marT="6350" marB="0" anchor="ctr">
+                    <a:lnL>
+                      <a:noFill/>
+                    </a:lnL>
+                    <a:lnR>
+                      <a:noFill/>
+                    </a:lnR>
+                    <a:lnT w="25400" cap="flat" cmpd="dbl" algn="ctr">
+                      <a:solidFill>
+                        <a:srgbClr val="000000"/>
+                      </a:solidFill>
+                      <a:prstDash val="solid"/>
+                      <a:round/>
+                      <a:headEnd type="none" w="med" len="med"/>
+                      <a:tailEnd type="none" w="med" len="med"/>
+                    </a:lnT>
+                    <a:lnB>
+                      <a:noFill/>
+                    </a:lnB>
+                    <a:noFill/>
+                  </a:tcPr>
+                </a:tc>
+                <a:tc>
+                  <a:txBody>
+                    <a:bodyPr/>
+                    <a:lstStyle/>
+                    <a:p>
+                      <a:pPr algn="ctr" fontAlgn="ctr"/>
+                      <a:r>
+                        <a:rPr lang="en-US" altLang="zh-CN" sz="1200" b="1" i="0" u="none" strike="noStrike" dirty="0">
+                          <a:solidFill>
+                            <a:srgbClr val="E2483D"/>
+                          </a:solidFill>
+                          <a:effectLst/>
+                          <a:latin typeface="方正黑体简体" panose="02000000000000000000" pitchFamily="2" charset="-122"/>
+                          <a:ea typeface="方正黑体简体" panose="02000000000000000000" pitchFamily="2" charset="-122"/>
+                        </a:rPr>
+                        <a:t>#</a:t>
+                      </a:r>
+                      <a:r>
+                        <a:rPr lang="en-US" altLang="zh-CN" sz="1200" b="1" i="0" u="none" strike="noStrike" dirty="0" err="1">
+                          <a:solidFill>
+                            <a:srgbClr val="E2483D"/>
+                          </a:solidFill>
+                          <a:effectLst/>
+                          <a:latin typeface="方正黑体简体" panose="02000000000000000000" pitchFamily="2" charset="-122"/>
+                          <a:ea typeface="方正黑体简体" panose="02000000000000000000" pitchFamily="2" charset="-122"/>
+                        </a:rPr>
+                        <a:t>table_begin_data</a:t>
+                      </a:r>
+                      <a:r>
+                        <a:rPr lang="en-US" altLang="zh-CN" sz="1200" b="1" i="0" u="none" strike="noStrike" dirty="0">
+                          <a:solidFill>
+                            <a:srgbClr val="E2483D"/>
+                          </a:solidFill>
+                          <a:effectLst/>
+                          <a:latin typeface="方正黑体简体" panose="02000000000000000000" pitchFamily="2" charset="-122"/>
+                          <a:ea typeface="方正黑体简体" panose="02000000000000000000" pitchFamily="2" charset="-122"/>
+                        </a:rPr>
+                        <a:t>#</a:t>
+                      </a:r>
+                    </a:p>
+                  </a:txBody>
+                  <a:tcPr marL="6350" marR="6350" marT="6350" marB="0" anchor="ctr">
+                    <a:lnL>
+                      <a:noFill/>
+                    </a:lnL>
+                    <a:lnR>
+                      <a:noFill/>
+                    </a:lnR>
+                    <a:lnT w="25400" cap="flat" cmpd="dbl" algn="ctr">
+                      <a:solidFill>
+                        <a:srgbClr val="000000"/>
+                      </a:solidFill>
+                      <a:prstDash val="solid"/>
+                      <a:round/>
+                      <a:headEnd type="none" w="med" len="med"/>
+                      <a:tailEnd type="none" w="med" len="med"/>
+                    </a:lnT>
+                    <a:lnB>
+                      <a:noFill/>
+                    </a:lnB>
+                    <a:noFill/>
+                  </a:tcPr>
+                </a:tc>
+                <a:extLst>
+                  <a:ext uri="{0D108BD9-81ED-4DB2-BD59-A6C34878D82A}">
+                    <a16:rowId xmlns:a16="http://schemas.microsoft.com/office/drawing/2014/main" val="10001"/>
+                  </a:ext>
+                </a:extLst>
+              </a:tr>
+              <a:tr h="262255">
+                <a:tc>
+                  <a:txBody>
+                    <a:bodyPr/>
+                    <a:lstStyle/>
+                    <a:p>
+                      <a:pPr algn="ctr" fontAlgn="ctr"/>
+                      <a:r>
+                        <a:rPr lang="en-US" altLang="zh-CN" sz="1200" b="1" i="0" u="none" strike="noStrike" dirty="0">
+                          <a:solidFill>
+                            <a:schemeClr val="accent2"/>
+                          </a:solidFill>
+                          <a:effectLst/>
+                          <a:latin typeface="方正黑体简体" panose="02000000000000000000" pitchFamily="2" charset="-122"/>
+                          <a:ea typeface="方正黑体简体" panose="02000000000000000000" pitchFamily="2" charset="-122"/>
+                        </a:rPr>
+                        <a:t>#</a:t>
+                      </a:r>
+                      <a:r>
+                        <a:rPr lang="en-US" altLang="zh-CN" sz="1200" b="1" i="0" u="none" strike="noStrike" dirty="0" err="1">
+                          <a:solidFill>
+                            <a:schemeClr val="accent2"/>
+                          </a:solidFill>
+                          <a:effectLst/>
+                          <a:latin typeface="方正黑体简体" panose="02000000000000000000" pitchFamily="2" charset="-122"/>
+                          <a:ea typeface="方正黑体简体" panose="02000000000000000000" pitchFamily="2" charset="-122"/>
+                        </a:rPr>
+                        <a:t>table_begin_data</a:t>
+                      </a:r>
+                      <a:r>
+                        <a:rPr lang="en-US" altLang="zh-CN" sz="1200" b="1" i="0" u="none" strike="noStrike" dirty="0">
+                          <a:solidFill>
+                            <a:schemeClr val="accent2"/>
+                          </a:solidFill>
+                          <a:effectLst/>
+                          <a:latin typeface="方正黑体简体" panose="02000000000000000000" pitchFamily="2" charset="-122"/>
+                          <a:ea typeface="方正黑体简体" panose="02000000000000000000" pitchFamily="2" charset="-122"/>
+                        </a:rPr>
+                        <a:t>#</a:t>
+                      </a:r>
+                      <a:endParaRPr lang="zh-CN" altLang="en-US" sz="1200" b="1" i="0" u="none" strike="noStrike" dirty="0">
+                        <a:solidFill>
+                          <a:schemeClr val="accent2"/>
+                        </a:solidFill>
+                        <a:effectLst/>
+                        <a:latin typeface="方正黑体简体" panose="02000000000000000000" pitchFamily="2" charset="-122"/>
+                        <a:ea typeface="方正黑体简体" panose="02000000000000000000" pitchFamily="2" charset="-122"/>
+                      </a:endParaRPr>
+                    </a:p>
+                  </a:txBody>
+                  <a:tcPr marL="6350" marR="6350" marT="6350" marB="0" anchor="ctr">
+                    <a:lnL>
+                      <a:noFill/>
+                    </a:lnL>
+                    <a:lnR>
+                      <a:noFill/>
+                    </a:lnR>
+                    <a:lnT>
+                      <a:noFill/>
+                    </a:lnT>
+                    <a:lnB>
+                      <a:noFill/>
+                    </a:lnB>
+                    <a:noFill/>
+                  </a:tcPr>
+                </a:tc>
+                <a:tc>
+                  <a:txBody>
+                    <a:bodyPr/>
+                    <a:lstStyle/>
+                    <a:p>
+                      <a:pPr algn="ctr" fontAlgn="ctr"/>
+                      <a:r>
+                        <a:rPr lang="en-US" altLang="zh-CN" sz="1200" b="1" i="0" u="none" strike="noStrike" dirty="0">
+                          <a:solidFill>
+                            <a:schemeClr val="accent2"/>
+                          </a:solidFill>
+                          <a:effectLst/>
+                          <a:latin typeface="方正黑体简体" panose="02000000000000000000" pitchFamily="2" charset="-122"/>
+                          <a:ea typeface="方正黑体简体" panose="02000000000000000000" pitchFamily="2" charset="-122"/>
+                        </a:rPr>
+                        <a:t>#</a:t>
+                      </a:r>
+                      <a:r>
+                        <a:rPr lang="en-US" altLang="zh-CN" sz="1200" b="1" i="0" u="none" strike="noStrike" dirty="0" err="1">
+                          <a:solidFill>
+                            <a:schemeClr val="accent2"/>
+                          </a:solidFill>
+                          <a:effectLst/>
+                          <a:latin typeface="方正黑体简体" panose="02000000000000000000" pitchFamily="2" charset="-122"/>
+                          <a:ea typeface="方正黑体简体" panose="02000000000000000000" pitchFamily="2" charset="-122"/>
+                        </a:rPr>
+                        <a:t>table_begin_data</a:t>
+                      </a:r>
+                      <a:r>
+                        <a:rPr lang="en-US" altLang="zh-CN" sz="1200" b="1" i="0" u="none" strike="noStrike" dirty="0">
+                          <a:solidFill>
+                            <a:schemeClr val="accent2"/>
+                          </a:solidFill>
+                          <a:effectLst/>
+                          <a:latin typeface="方正黑体简体" panose="02000000000000000000" pitchFamily="2" charset="-122"/>
+                          <a:ea typeface="方正黑体简体" panose="02000000000000000000" pitchFamily="2" charset="-122"/>
+                        </a:rPr>
+                        <a:t>#</a:t>
+                      </a:r>
+                      <a:endParaRPr lang="zh-CN" altLang="en-US" sz="1200" b="1" i="0" u="none" strike="noStrike" dirty="0">
+                        <a:solidFill>
+                          <a:schemeClr val="accent2"/>
+                        </a:solidFill>
+                        <a:effectLst/>
+                        <a:latin typeface="方正黑体简体" panose="02000000000000000000" pitchFamily="2" charset="-122"/>
+                        <a:ea typeface="方正黑体简体" panose="02000000000000000000" pitchFamily="2" charset="-122"/>
+                      </a:endParaRPr>
+                    </a:p>
+                  </a:txBody>
+                  <a:tcPr marL="6350" marR="6350" marT="6350" marB="0" anchor="ctr">
+                    <a:lnL>
+                      <a:noFill/>
+                    </a:lnL>
+                    <a:lnR>
+                      <a:noFill/>
+                    </a:lnR>
+                    <a:lnT>
+                      <a:noFill/>
+                    </a:lnT>
+                    <a:lnB>
+                      <a:noFill/>
+                    </a:lnB>
+                    <a:noFill/>
+                  </a:tcPr>
+                </a:tc>
+                <a:tc>
+                  <a:txBody>
+                    <a:bodyPr/>
+                    <a:lstStyle/>
+                    <a:p>
+                      <a:pPr algn="ctr" fontAlgn="ctr"/>
+                      <a:r>
+                        <a:rPr lang="en-US" altLang="zh-CN" sz="1200" b="1" i="0" u="none" strike="noStrike" dirty="0">
+                          <a:solidFill>
+                            <a:schemeClr val="accent2"/>
+                          </a:solidFill>
+                          <a:effectLst/>
+                          <a:latin typeface="方正黑体简体" panose="02000000000000000000" pitchFamily="2" charset="-122"/>
+                          <a:ea typeface="方正黑体简体" panose="02000000000000000000" pitchFamily="2" charset="-122"/>
+                        </a:rPr>
+                        <a:t>#</a:t>
+                      </a:r>
+                      <a:r>
+                        <a:rPr lang="en-US" altLang="zh-CN" sz="1200" b="1" i="0" u="none" strike="noStrike" dirty="0" err="1">
+                          <a:solidFill>
+                            <a:schemeClr val="accent2"/>
+                          </a:solidFill>
+                          <a:effectLst/>
+                          <a:latin typeface="方正黑体简体" panose="02000000000000000000" pitchFamily="2" charset="-122"/>
+                          <a:ea typeface="方正黑体简体" panose="02000000000000000000" pitchFamily="2" charset="-122"/>
+                        </a:rPr>
+                        <a:t>table_begin_data</a:t>
+                      </a:r>
+                      <a:r>
+                        <a:rPr lang="en-US" altLang="zh-CN" sz="1200" b="1" i="0" u="none" strike="noStrike">
+                          <a:solidFill>
+                            <a:schemeClr val="accent2"/>
+                          </a:solidFill>
+                          <a:effectLst/>
+                          <a:latin typeface="方正黑体简体" panose="02000000000000000000" pitchFamily="2" charset="-122"/>
+                          <a:ea typeface="方正黑体简体" panose="02000000000000000000" pitchFamily="2" charset="-122"/>
+                        </a:rPr>
+                        <a:t>#</a:t>
+                      </a:r>
+                      <a:endParaRPr kumimoji="0" lang="en-US" altLang="zh-CN" sz="1200" b="1" i="0" u="none" strike="noStrike" kern="1200" cap="none" spc="0" normalizeH="0" baseline="0" noProof="0" dirty="0">
+                        <a:ln>
+                          <a:noFill/>
+                        </a:ln>
+                        <a:solidFill>
+                          <a:schemeClr val="accent2"/>
+                        </a:solidFill>
+                        <a:effectLst/>
+                        <a:uLnTx/>
+                        <a:uFillTx/>
+                        <a:latin typeface="方正黑体简体" panose="02000000000000000000" pitchFamily="2" charset="-122"/>
+                        <a:ea typeface="方正黑体简体" panose="02000000000000000000" pitchFamily="2" charset="-122"/>
+                        <a:cs typeface="+mn-cs"/>
+                      </a:endParaRPr>
+                    </a:p>
+                  </a:txBody>
+                  <a:tcPr marL="6350" marR="6350" marT="6350" marB="0" anchor="ctr">
+                    <a:lnL>
+                      <a:noFill/>
+                    </a:lnL>
+                    <a:lnR>
+                      <a:noFill/>
+                    </a:lnR>
+                    <a:lnT>
+                      <a:noFill/>
+                    </a:lnT>
+                    <a:lnB>
+                      <a:noFill/>
+                    </a:lnB>
+                    <a:noFill/>
+                  </a:tcPr>
+                </a:tc>
+                <a:extLst>
+                  <a:ext uri="{0D108BD9-81ED-4DB2-BD59-A6C34878D82A}">
+                    <a16:rowId xmlns:a16="http://schemas.microsoft.com/office/drawing/2014/main" val="10002"/>
+                  </a:ext>
+                </a:extLst>
+              </a:tr>
+              <a:tr h="292735">
+                <a:tc>
+                  <a:txBody>
+                    <a:bodyPr/>
+                    <a:lstStyle/>
+                    <a:p>
+                      <a:pPr algn="ctr" fontAlgn="ctr"/>
+                      <a:r>
+                        <a:rPr lang="en-US" sz="1200" b="1" i="0" u="none" strike="noStrike" dirty="0">
+                          <a:solidFill>
+                            <a:srgbClr val="FAB662"/>
+                          </a:solidFill>
+                          <a:effectLst/>
+                          <a:latin typeface="方正黑体简体" panose="02000000000000000000" pitchFamily="2" charset="-122"/>
+                          <a:ea typeface="方正黑体简体" panose="02000000000000000000" pitchFamily="2" charset="-122"/>
+                        </a:rPr>
+                        <a:t>#table1#</a:t>
+                      </a:r>
+                    </a:p>
+                  </a:txBody>
+                  <a:tcPr marL="6350" marR="6350" marT="6350" marB="0" anchor="ctr">
+                    <a:lnL>
+                      <a:noFill/>
+                    </a:lnL>
+                    <a:lnR>
+                      <a:noFill/>
+                    </a:lnR>
+                    <a:lnT>
+                      <a:noFill/>
+                    </a:lnT>
+                    <a:lnB>
+                      <a:noFill/>
+                    </a:lnB>
+                    <a:noFill/>
+                  </a:tcPr>
+                </a:tc>
+                <a:tc>
+                  <a:txBody>
+                    <a:bodyPr/>
+                    <a:lstStyle/>
+                    <a:p>
+                      <a:pPr algn="ctr" fontAlgn="ctr"/>
+                      <a:endParaRPr lang="zh-CN" altLang="en-US" sz="1200" b="1" i="0" u="none" strike="noStrike" dirty="0">
+                        <a:solidFill>
+                          <a:srgbClr val="FAB662"/>
+                        </a:solidFill>
+                        <a:effectLst/>
+                        <a:latin typeface="方正黑体简体" panose="02000000000000000000" pitchFamily="2" charset="-122"/>
+                        <a:ea typeface="方正黑体简体" panose="02000000000000000000" pitchFamily="2" charset="-122"/>
+                      </a:endParaRPr>
+                    </a:p>
+                  </a:txBody>
+                  <a:tcPr marL="6350" marR="6350" marT="6350" marB="0" anchor="ctr">
+                    <a:lnL>
+                      <a:noFill/>
+                    </a:lnL>
+                    <a:lnR>
+                      <a:noFill/>
+                    </a:lnR>
+                    <a:lnT>
+                      <a:noFill/>
+                    </a:lnT>
+                    <a:lnB>
+                      <a:noFill/>
+                    </a:lnB>
+                    <a:noFill/>
+                  </a:tcPr>
+                </a:tc>
+                <a:tc>
+                  <a:txBody>
+                    <a:bodyPr/>
+                    <a:lstStyle/>
+                    <a:p>
+                      <a:pPr algn="ctr" fontAlgn="ctr"/>
+                      <a:endParaRPr kumimoji="0" lang="en-US" altLang="zh-CN" sz="1200" b="1" i="0" u="none" strike="noStrike" kern="1200" cap="none" spc="0" normalizeH="0" baseline="0" noProof="0" dirty="0">
+                        <a:ln>
+                          <a:noFill/>
+                        </a:ln>
+                        <a:solidFill>
+                          <a:srgbClr val="FAB662"/>
+                        </a:solidFill>
+                        <a:effectLst/>
+                        <a:uLnTx/>
+                        <a:uFillTx/>
+                        <a:latin typeface="方正黑体简体" panose="02000000000000000000" pitchFamily="2" charset="-122"/>
+                        <a:ea typeface="方正黑体简体" panose="02000000000000000000" pitchFamily="2" charset="-122"/>
+                        <a:cs typeface="+mn-cs"/>
+                      </a:endParaRPr>
+                    </a:p>
+                  </a:txBody>
+                  <a:tcPr marL="6350" marR="6350" marT="6350" marB="0" anchor="ctr">
+                    <a:lnL>
+                      <a:noFill/>
+                    </a:lnL>
+                    <a:lnR>
+                      <a:noFill/>
+                    </a:lnR>
+                    <a:lnT>
+                      <a:noFill/>
+                    </a:lnT>
+                    <a:lnB>
+                      <a:noFill/>
+                    </a:lnB>
+                    <a:noFill/>
+                  </a:tcPr>
+                </a:tc>
+                <a:extLst>
+                  <a:ext uri="{0D108BD9-81ED-4DB2-BD59-A6C34878D82A}">
+                    <a16:rowId xmlns:a16="http://schemas.microsoft.com/office/drawing/2014/main" val="10003"/>
+                  </a:ext>
+                </a:extLst>
+              </a:tr>
+              <a:tr h="293370">
+                <a:tc>
+                  <a:txBody>
+                    <a:bodyPr/>
+                    <a:lstStyle/>
+                    <a:p>
+                      <a:pPr algn="ctr" fontAlgn="ctr"/>
+                      <a:r>
+                        <a:rPr lang="en-US" sz="1200" b="0" i="0" u="none" strike="noStrike" dirty="0">
+                          <a:solidFill>
+                            <a:schemeClr val="tx1">
+                              <a:lumMod val="75000"/>
+                              <a:lumOff val="25000"/>
+                            </a:schemeClr>
+                          </a:solidFill>
+                          <a:effectLst/>
+                          <a:latin typeface="方正黑体简体" panose="02000000000000000000" pitchFamily="2" charset="-122"/>
+                          <a:ea typeface="方正黑体简体" panose="02000000000000000000" pitchFamily="2" charset="-122"/>
+                        </a:rPr>
+                        <a:t>#</a:t>
+                      </a:r>
+                      <a:r>
+                        <a:rPr lang="en-US" altLang="zh-CN" sz="1200" b="0" i="0" u="none" strike="noStrike" dirty="0" err="1">
+                          <a:solidFill>
+                            <a:schemeClr val="tx1">
+                              <a:lumMod val="75000"/>
+                              <a:lumOff val="25000"/>
+                            </a:schemeClr>
+                          </a:solidFill>
+                          <a:effectLst/>
+                          <a:latin typeface="方正黑体简体" panose="02000000000000000000" pitchFamily="2" charset="-122"/>
+                          <a:ea typeface="方正黑体简体" panose="02000000000000000000" pitchFamily="2" charset="-122"/>
+                        </a:rPr>
+                        <a:t>table_begin_data</a:t>
+                      </a:r>
+                      <a:r>
+                        <a:rPr lang="en-US" sz="1200" b="0" i="0" u="none" strike="noStrike" dirty="0">
+                          <a:solidFill>
+                            <a:schemeClr val="tx1">
+                              <a:lumMod val="75000"/>
+                              <a:lumOff val="25000"/>
+                            </a:schemeClr>
+                          </a:solidFill>
+                          <a:effectLst/>
+                          <a:latin typeface="方正黑体简体" panose="02000000000000000000" pitchFamily="2" charset="-122"/>
+                          <a:ea typeface="方正黑体简体" panose="02000000000000000000" pitchFamily="2" charset="-122"/>
+                        </a:rPr>
+                        <a:t>#</a:t>
+                      </a:r>
+                    </a:p>
+                  </a:txBody>
+                  <a:tcPr marL="6350" marR="6350" marT="6350" marB="0" anchor="ctr">
+                    <a:lnL>
+                      <a:noFill/>
+                    </a:lnL>
+                    <a:lnR>
+                      <a:noFill/>
+                    </a:lnR>
+                    <a:lnT>
+                      <a:noFill/>
+                    </a:lnT>
+                    <a:lnB>
+                      <a:noFill/>
+                    </a:lnB>
+                    <a:noFill/>
+                  </a:tcPr>
+                </a:tc>
+                <a:tc>
+                  <a:txBody>
+                    <a:bodyPr/>
+                    <a:lstStyle/>
+                    <a:p>
+                      <a:pPr algn="ctr" fontAlgn="ctr"/>
+                      <a:r>
+                        <a:rPr lang="en-US" altLang="zh-CN" sz="1200" b="0" i="0" u="none" strike="noStrike" dirty="0">
+                          <a:solidFill>
+                            <a:schemeClr val="tx1">
+                              <a:lumMod val="75000"/>
+                              <a:lumOff val="25000"/>
+                            </a:schemeClr>
+                          </a:solidFill>
+                          <a:effectLst/>
+                          <a:latin typeface="方正黑体简体" panose="02000000000000000000" pitchFamily="2" charset="-122"/>
+                          <a:ea typeface="方正黑体简体" panose="02000000000000000000" pitchFamily="2" charset="-122"/>
+                        </a:rPr>
+                        <a:t>#</a:t>
+                      </a:r>
+                      <a:r>
+                        <a:rPr lang="en-US" altLang="zh-CN" sz="1200" b="0" i="0" u="none" strike="noStrike" dirty="0" err="1">
+                          <a:solidFill>
+                            <a:schemeClr val="tx1">
+                              <a:lumMod val="75000"/>
+                              <a:lumOff val="25000"/>
+                            </a:schemeClr>
+                          </a:solidFill>
+                          <a:effectLst/>
+                          <a:latin typeface="方正黑体简体" panose="02000000000000000000" pitchFamily="2" charset="-122"/>
+                          <a:ea typeface="方正黑体简体" panose="02000000000000000000" pitchFamily="2" charset="-122"/>
+                        </a:rPr>
+                        <a:t>table_begin_data</a:t>
+                      </a:r>
+                      <a:r>
+                        <a:rPr lang="en-US" altLang="zh-CN" sz="1200" b="0" i="0" u="none" strike="noStrike" dirty="0">
+                          <a:solidFill>
+                            <a:schemeClr val="tx1">
+                              <a:lumMod val="75000"/>
+                              <a:lumOff val="25000"/>
+                            </a:schemeClr>
+                          </a:solidFill>
+                          <a:effectLst/>
+                          <a:latin typeface="方正黑体简体" panose="02000000000000000000" pitchFamily="2" charset="-122"/>
+                          <a:ea typeface="方正黑体简体" panose="02000000000000000000" pitchFamily="2" charset="-122"/>
+                        </a:rPr>
+                        <a:t>#</a:t>
+                      </a:r>
+                      <a:endParaRPr lang="zh-CN" altLang="en-US" sz="1200" b="0" i="0" u="none" strike="noStrike" dirty="0">
+                        <a:solidFill>
+                          <a:schemeClr val="tx1">
+                            <a:lumMod val="75000"/>
+                            <a:lumOff val="25000"/>
+                          </a:schemeClr>
+                        </a:solidFill>
+                        <a:effectLst/>
+                        <a:latin typeface="方正黑体简体" panose="02000000000000000000" pitchFamily="2" charset="-122"/>
+                        <a:ea typeface="方正黑体简体" panose="02000000000000000000" pitchFamily="2" charset="-122"/>
+                      </a:endParaRPr>
+                    </a:p>
+                  </a:txBody>
+                  <a:tcPr marL="6350" marR="6350" marT="6350" marB="0" anchor="ctr">
+                    <a:lnL>
+                      <a:noFill/>
+                    </a:lnL>
+                    <a:lnR>
+                      <a:noFill/>
+                    </a:lnR>
+                    <a:lnT>
+                      <a:noFill/>
+                    </a:lnT>
+                    <a:lnB>
+                      <a:noFill/>
+                    </a:lnB>
+                    <a:noFill/>
+                  </a:tcPr>
+                </a:tc>
+                <a:tc>
+                  <a:txBody>
+                    <a:bodyPr/>
+                    <a:lstStyle/>
+                    <a:p>
+                      <a:pPr algn="ctr" fontAlgn="ctr"/>
+                      <a:r>
+                        <a:rPr lang="en-US" altLang="zh-CN" sz="1200" b="0" i="0" u="none" strike="noStrike" dirty="0">
+                          <a:solidFill>
+                            <a:schemeClr val="tx1">
+                              <a:lumMod val="75000"/>
+                              <a:lumOff val="25000"/>
+                            </a:schemeClr>
+                          </a:solidFill>
+                          <a:effectLst/>
+                          <a:latin typeface="方正黑体简体" panose="02000000000000000000" pitchFamily="2" charset="-122"/>
+                          <a:ea typeface="方正黑体简体" panose="02000000000000000000" pitchFamily="2" charset="-122"/>
+                        </a:rPr>
+                        <a:t>#</a:t>
+                      </a:r>
+                      <a:r>
+                        <a:rPr lang="en-US" altLang="zh-CN" sz="1200" b="0" i="0" u="none" strike="noStrike" dirty="0" err="1">
+                          <a:solidFill>
+                            <a:schemeClr val="tx1">
+                              <a:lumMod val="75000"/>
+                              <a:lumOff val="25000"/>
+                            </a:schemeClr>
+                          </a:solidFill>
+                          <a:effectLst/>
+                          <a:latin typeface="方正黑体简体" panose="02000000000000000000" pitchFamily="2" charset="-122"/>
+                          <a:ea typeface="方正黑体简体" panose="02000000000000000000" pitchFamily="2" charset="-122"/>
+                        </a:rPr>
+                        <a:t>table_begin_data</a:t>
+                      </a:r>
+                      <a:r>
+                        <a:rPr lang="en-US" altLang="zh-CN" sz="1200" b="0" i="0" u="none" strike="noStrike">
+                          <a:solidFill>
+                            <a:schemeClr val="tx1">
+                              <a:lumMod val="75000"/>
+                              <a:lumOff val="25000"/>
+                            </a:schemeClr>
+                          </a:solidFill>
+                          <a:effectLst/>
+                          <a:latin typeface="方正黑体简体" panose="02000000000000000000" pitchFamily="2" charset="-122"/>
+                          <a:ea typeface="方正黑体简体" panose="02000000000000000000" pitchFamily="2" charset="-122"/>
+                        </a:rPr>
+                        <a:t>#</a:t>
+                      </a:r>
+                      <a:endParaRPr kumimoji="0" lang="en-US" altLang="zh-CN" sz="1200" b="0" i="0" u="none" strike="noStrike" kern="1200" cap="none" spc="0" normalizeH="0" baseline="0" noProof="0" dirty="0">
+                        <a:ln>
+                          <a:noFill/>
+                        </a:ln>
+                        <a:solidFill>
+                          <a:schemeClr val="tx1">
+                            <a:lumMod val="75000"/>
+                            <a:lumOff val="25000"/>
+                          </a:schemeClr>
+                        </a:solidFill>
+                        <a:effectLst/>
+                        <a:uLnTx/>
+                        <a:uFillTx/>
+                        <a:latin typeface="方正黑体简体" panose="02000000000000000000" pitchFamily="2" charset="-122"/>
+                        <a:ea typeface="方正黑体简体" panose="02000000000000000000" pitchFamily="2" charset="-122"/>
+                        <a:cs typeface="+mn-cs"/>
+                      </a:endParaRPr>
+                    </a:p>
+                  </a:txBody>
+                  <a:tcPr marL="6350" marR="6350" marT="6350" marB="0" anchor="ctr">
+                    <a:lnL>
+                      <a:noFill/>
+                    </a:lnL>
+                    <a:lnR>
+                      <a:noFill/>
+                    </a:lnR>
+                    <a:lnT>
+                      <a:noFill/>
+                    </a:lnT>
+                    <a:lnB>
+                      <a:noFill/>
+                    </a:lnB>
+                    <a:noFill/>
+                  </a:tcPr>
+                </a:tc>
+                <a:extLst>
+                  <a:ext uri="{0D108BD9-81ED-4DB2-BD59-A6C34878D82A}">
+                    <a16:rowId xmlns:a16="http://schemas.microsoft.com/office/drawing/2014/main" val="10004"/>
+                  </a:ext>
+                </a:extLst>
+              </a:tr>
+              <a:tr h="292735">
+                <a:tc>
+                  <a:txBody>
+                    <a:bodyPr/>
+                    <a:lstStyle/>
+                    <a:p>
+                      <a:pPr marL="0" marR="0" indent="0" algn="ctr" defTabSz="914400" rtl="0" eaLnBrk="1" fontAlgn="ctr" latinLnBrk="0" hangingPunct="1">
+                        <a:lnSpc>
+                          <a:spcPct val="100000"/>
+                        </a:lnSpc>
+                        <a:spcBef>
+                          <a:spcPts val="0"/>
+                        </a:spcBef>
+                        <a:spcAft>
+                          <a:spcPts val="0"/>
+                        </a:spcAft>
+                        <a:buClrTx/>
+                        <a:buSzTx/>
+                        <a:buFontTx/>
+                        <a:buNone/>
+                        <a:defRPr/>
+                      </a:pPr>
+                      <a:r>
+                        <a:rPr lang="en-US" altLang="zh-CN" sz="1200" b="0" i="0" u="none" strike="noStrike" dirty="0">
+                          <a:solidFill>
+                            <a:schemeClr val="tx1">
+                              <a:lumMod val="75000"/>
+                              <a:lumOff val="25000"/>
+                            </a:schemeClr>
+                          </a:solidFill>
+                          <a:effectLst/>
+                          <a:latin typeface="方正黑体简体" panose="02000000000000000000" pitchFamily="2" charset="-122"/>
+                          <a:ea typeface="方正黑体简体" panose="02000000000000000000" pitchFamily="2" charset="-122"/>
+                        </a:rPr>
+                        <a:t>#table1#</a:t>
+                      </a:r>
+                      <a:endParaRPr lang="zh-CN" altLang="en-US" sz="1200" b="0" i="0" u="none" strike="noStrike" dirty="0">
+                        <a:solidFill>
+                          <a:schemeClr val="tx1">
+                            <a:lumMod val="75000"/>
+                            <a:lumOff val="25000"/>
+                          </a:schemeClr>
+                        </a:solidFill>
+                        <a:effectLst/>
+                        <a:latin typeface="方正黑体简体" panose="02000000000000000000" pitchFamily="2" charset="-122"/>
+                        <a:ea typeface="方正黑体简体" panose="02000000000000000000" pitchFamily="2" charset="-122"/>
+                      </a:endParaRPr>
+                    </a:p>
+                  </a:txBody>
+                  <a:tcPr marL="6350" marR="6350" marT="6350" marB="0" anchor="ctr">
+                    <a:lnL>
+                      <a:noFill/>
+                    </a:lnL>
+                    <a:lnR>
+                      <a:noFill/>
+                    </a:lnR>
+                    <a:lnT>
+                      <a:noFill/>
+                    </a:lnT>
+                    <a:lnB>
+                      <a:noFill/>
+                    </a:lnB>
+                    <a:noFill/>
+                  </a:tcPr>
+                </a:tc>
+                <a:tc>
+                  <a:txBody>
+                    <a:bodyPr/>
+                    <a:lstStyle/>
+                    <a:p>
+                      <a:pPr marL="0" marR="0" indent="0" algn="ctr" defTabSz="914400" rtl="0" eaLnBrk="1" fontAlgn="ctr" latinLnBrk="0" hangingPunct="1">
+                        <a:lnSpc>
+                          <a:spcPct val="100000"/>
+                        </a:lnSpc>
+                        <a:spcBef>
+                          <a:spcPts val="0"/>
+                        </a:spcBef>
+                        <a:spcAft>
+                          <a:spcPts val="0"/>
+                        </a:spcAft>
+                        <a:buClrTx/>
+                        <a:buSzTx/>
+                        <a:buFontTx/>
+                        <a:buNone/>
+                        <a:defRPr/>
+                      </a:pPr>
+                      <a:endParaRPr lang="zh-CN" altLang="en-US" sz="1200" b="0" i="0" u="none" strike="noStrike" dirty="0">
+                        <a:solidFill>
+                          <a:schemeClr val="tx1">
+                            <a:lumMod val="75000"/>
+                            <a:lumOff val="25000"/>
+                          </a:schemeClr>
+                        </a:solidFill>
+                        <a:effectLst/>
+                        <a:latin typeface="方正黑体简体" panose="02000000000000000000" pitchFamily="2" charset="-122"/>
+                        <a:ea typeface="方正黑体简体" panose="02000000000000000000" pitchFamily="2" charset="-122"/>
+                      </a:endParaRPr>
+                    </a:p>
+                  </a:txBody>
+                  <a:tcPr marL="6350" marR="6350" marT="6350" marB="0" anchor="ctr">
+                    <a:lnL>
+                      <a:noFill/>
+                    </a:lnL>
+                    <a:lnR>
+                      <a:noFill/>
+                    </a:lnR>
+                    <a:lnT>
+                      <a:noFill/>
+                    </a:lnT>
+                    <a:lnB>
+                      <a:noFill/>
+                    </a:lnB>
+                    <a:noFill/>
+                  </a:tcPr>
+                </a:tc>
+                <a:tc>
+                  <a:txBody>
+                    <a:bodyPr/>
+                    <a:lstStyle/>
+                    <a:p>
+                      <a:pPr marL="0" marR="0" lvl="0" indent="0" algn="ctr" defTabSz="914400" rtl="0" eaLnBrk="1" fontAlgn="ctr" latinLnBrk="0" hangingPunct="1">
+                        <a:lnSpc>
+                          <a:spcPct val="100000"/>
+                        </a:lnSpc>
+                        <a:spcBef>
+                          <a:spcPts val="0"/>
+                        </a:spcBef>
+                        <a:spcAft>
+                          <a:spcPts val="0"/>
+                        </a:spcAft>
+                        <a:buClrTx/>
+                        <a:buSzTx/>
+                        <a:buFontTx/>
+                        <a:buNone/>
+                        <a:defRPr/>
+                      </a:pPr>
+                      <a:endParaRPr kumimoji="0" lang="en-US" altLang="zh-CN" sz="1200" b="0" i="0" u="none" strike="noStrike" kern="1200" cap="none" spc="0" normalizeH="0" baseline="0" noProof="0" dirty="0">
+                        <a:ln>
+                          <a:noFill/>
+                        </a:ln>
+                        <a:solidFill>
+                          <a:schemeClr val="tx1">
+                            <a:lumMod val="75000"/>
+                            <a:lumOff val="25000"/>
+                          </a:schemeClr>
+                        </a:solidFill>
+                        <a:effectLst/>
+                        <a:uLnTx/>
+                        <a:uFillTx/>
+                        <a:latin typeface="方正黑体简体" panose="02000000000000000000" pitchFamily="2" charset="-122"/>
+                        <a:ea typeface="方正黑体简体" panose="02000000000000000000" pitchFamily="2" charset="-122"/>
+                        <a:cs typeface="+mn-cs"/>
+                      </a:endParaRPr>
+                    </a:p>
+                  </a:txBody>
+                  <a:tcPr marL="6350" marR="6350" marT="6350" marB="0" anchor="ctr">
+                    <a:lnL>
+                      <a:noFill/>
+                    </a:lnL>
+                    <a:lnR>
+                      <a:noFill/>
+                    </a:lnR>
+                    <a:lnT>
+                      <a:noFill/>
+                    </a:lnT>
+                    <a:lnB>
+                      <a:noFill/>
+                    </a:lnB>
+                    <a:noFill/>
+                  </a:tcPr>
+                </a:tc>
+                <a:extLst>
+                  <a:ext uri="{0D108BD9-81ED-4DB2-BD59-A6C34878D82A}">
+                    <a16:rowId xmlns:a16="http://schemas.microsoft.com/office/drawing/2014/main" val="10005"/>
+                  </a:ext>
+                </a:extLst>
+              </a:tr>
+              <a:tr h="309880">
+                <a:tc>
+                  <a:txBody>
+                    <a:bodyPr/>
+                    <a:lstStyle/>
+                    <a:p>
+                      <a:pPr algn="ctr" fontAlgn="ctr"/>
+                      <a:r>
+                        <a:rPr lang="en-US" altLang="zh-CN" sz="1200" b="0" i="0" u="none" strike="noStrike" dirty="0">
+                          <a:solidFill>
+                            <a:schemeClr val="tx1">
+                              <a:lumMod val="75000"/>
+                              <a:lumOff val="25000"/>
+                            </a:schemeClr>
+                          </a:solidFill>
+                          <a:effectLst/>
+                          <a:latin typeface="方正黑体简体" panose="02000000000000000000" pitchFamily="2" charset="-122"/>
+                          <a:ea typeface="方正黑体简体" panose="02000000000000000000" pitchFamily="2" charset="-122"/>
+                        </a:rPr>
+                        <a:t>#table1#</a:t>
+                      </a:r>
+                      <a:endParaRPr lang="zh-CN" altLang="en-US" sz="1200" b="0" i="0" u="none" strike="noStrike" dirty="0">
+                        <a:solidFill>
+                          <a:schemeClr val="tx1">
+                            <a:lumMod val="75000"/>
+                            <a:lumOff val="25000"/>
+                          </a:schemeClr>
+                        </a:solidFill>
+                        <a:effectLst/>
+                        <a:latin typeface="方正黑体简体" panose="02000000000000000000" pitchFamily="2" charset="-122"/>
+                        <a:ea typeface="方正黑体简体" panose="02000000000000000000" pitchFamily="2" charset="-122"/>
+                      </a:endParaRPr>
+                    </a:p>
+                  </a:txBody>
+                  <a:tcPr marL="6350" marR="6350" marT="6350" marB="0" anchor="ctr">
+                    <a:lnL>
+                      <a:noFill/>
+                    </a:lnL>
+                    <a:lnR>
+                      <a:noFill/>
+                    </a:lnR>
+                    <a:lnT>
+                      <a:noFill/>
+                    </a:lnT>
+                    <a:lnB>
+                      <a:noFill/>
+                    </a:lnB>
+                    <a:noFill/>
+                  </a:tcPr>
+                </a:tc>
+                <a:tc>
+                  <a:txBody>
+                    <a:bodyPr/>
+                    <a:lstStyle/>
+                    <a:p>
+                      <a:pPr algn="ctr" fontAlgn="ctr"/>
+                      <a:endParaRPr lang="zh-CN" altLang="en-US" sz="1200" b="0" i="0" u="none" strike="noStrike" dirty="0">
+                        <a:solidFill>
+                          <a:schemeClr val="tx1">
+                            <a:lumMod val="75000"/>
+                            <a:lumOff val="25000"/>
+                          </a:schemeClr>
+                        </a:solidFill>
+                        <a:effectLst/>
+                        <a:latin typeface="方正黑体简体" panose="02000000000000000000" pitchFamily="2" charset="-122"/>
+                        <a:ea typeface="方正黑体简体" panose="02000000000000000000" pitchFamily="2" charset="-122"/>
+                      </a:endParaRPr>
+                    </a:p>
+                  </a:txBody>
+                  <a:tcPr marL="6350" marR="6350" marT="6350" marB="0" anchor="ctr">
+                    <a:lnL>
+                      <a:noFill/>
+                    </a:lnL>
+                    <a:lnR>
+                      <a:noFill/>
+                    </a:lnR>
+                    <a:lnT>
+                      <a:noFill/>
+                    </a:lnT>
+                    <a:lnB>
+                      <a:noFill/>
+                    </a:lnB>
+                    <a:noFill/>
+                  </a:tcPr>
+                </a:tc>
+                <a:tc>
+                  <a:txBody>
+                    <a:bodyPr/>
+                    <a:lstStyle/>
+                    <a:p>
+                      <a:pPr marL="0" marR="0" lvl="0" indent="0" algn="ctr" defTabSz="914400" rtl="0" eaLnBrk="1" fontAlgn="ctr" latinLnBrk="0" hangingPunct="1">
+                        <a:lnSpc>
+                          <a:spcPct val="100000"/>
+                        </a:lnSpc>
+                        <a:spcBef>
+                          <a:spcPts val="0"/>
+                        </a:spcBef>
+                        <a:spcAft>
+                          <a:spcPts val="0"/>
+                        </a:spcAft>
+                        <a:buClrTx/>
+                        <a:buSzTx/>
+                        <a:buFontTx/>
+                        <a:buNone/>
+                        <a:defRPr/>
+                      </a:pPr>
+                      <a:endParaRPr kumimoji="0" lang="en-US" altLang="zh-CN" sz="1200" b="0" i="0" u="none" strike="noStrike" kern="1200" cap="none" spc="0" normalizeH="0" baseline="0" noProof="0" dirty="0">
+                        <a:ln>
+                          <a:noFill/>
+                        </a:ln>
+                        <a:solidFill>
+                          <a:schemeClr val="tx1">
+                            <a:lumMod val="75000"/>
+                            <a:lumOff val="25000"/>
+                          </a:schemeClr>
+                        </a:solidFill>
+                        <a:effectLst/>
+                        <a:uLnTx/>
+                        <a:uFillTx/>
+                        <a:latin typeface="方正黑体简体" panose="02000000000000000000" pitchFamily="2" charset="-122"/>
+                        <a:ea typeface="方正黑体简体" panose="02000000000000000000" pitchFamily="2" charset="-122"/>
+                        <a:cs typeface="+mn-cs"/>
+                      </a:endParaRPr>
+                    </a:p>
+                  </a:txBody>
+                  <a:tcPr marL="6350" marR="6350" marT="6350" marB="0" anchor="ctr">
+                    <a:lnL>
+                      <a:noFill/>
+                    </a:lnL>
+                    <a:lnR>
+                      <a:noFill/>
+                    </a:lnR>
+                    <a:lnT>
+                      <a:noFill/>
+                    </a:lnT>
+                    <a:lnB>
+                      <a:noFill/>
+                    </a:lnB>
+                    <a:noFill/>
+                  </a:tcPr>
+                </a:tc>
+                <a:extLst>
+                  <a:ext uri="{0D108BD9-81ED-4DB2-BD59-A6C34878D82A}">
+                    <a16:rowId xmlns:a16="http://schemas.microsoft.com/office/drawing/2014/main" val="10006"/>
+                  </a:ext>
+                </a:extLst>
+              </a:tr>
+              <a:tr h="293370">
+                <a:tc>
+                  <a:txBody>
+                    <a:bodyPr/>
+                    <a:lstStyle/>
+                    <a:p>
+                      <a:pPr marL="0" marR="0" lvl="0" indent="0" algn="ctr" defTabSz="914400" rtl="0" eaLnBrk="1" fontAlgn="ctr" latinLnBrk="0" hangingPunct="1">
+                        <a:lnSpc>
+                          <a:spcPct val="100000"/>
+                        </a:lnSpc>
+                        <a:spcBef>
+                          <a:spcPts val="0"/>
+                        </a:spcBef>
+                        <a:spcAft>
+                          <a:spcPts val="0"/>
+                        </a:spcAft>
+                        <a:buClrTx/>
+                        <a:buSzTx/>
+                        <a:buFontTx/>
+                        <a:buNone/>
+                        <a:defRPr/>
+                      </a:pPr>
+                      <a:r>
+                        <a:rPr kumimoji="0" lang="en-US" altLang="zh-CN" sz="1200" b="0" i="0" u="none" strike="noStrike" kern="1200" cap="none" spc="0" normalizeH="0" baseline="0" noProof="0" dirty="0">
+                          <a:ln>
+                            <a:noFill/>
+                          </a:ln>
+                          <a:solidFill>
+                            <a:schemeClr val="tx1">
+                              <a:lumMod val="75000"/>
+                              <a:lumOff val="25000"/>
+                            </a:schemeClr>
+                          </a:solidFill>
+                          <a:effectLst/>
+                          <a:uLnTx/>
+                          <a:uFillTx/>
+                          <a:latin typeface="方正黑体简体" panose="02000000000000000000" pitchFamily="2" charset="-122"/>
+                          <a:ea typeface="方正黑体简体" panose="02000000000000000000" pitchFamily="2" charset="-122"/>
+                          <a:cs typeface="+mn-cs"/>
+                        </a:rPr>
+                        <a:t>#table1#</a:t>
+                      </a:r>
+                      <a:endParaRPr kumimoji="0" lang="zh-CN" altLang="en-US" sz="1200" b="0" i="0" u="none" strike="noStrike" kern="1200" cap="none" spc="0" normalizeH="0" baseline="0" noProof="0" dirty="0">
+                        <a:ln>
+                          <a:noFill/>
+                        </a:ln>
+                        <a:solidFill>
+                          <a:schemeClr val="tx1">
+                            <a:lumMod val="75000"/>
+                            <a:lumOff val="25000"/>
+                          </a:schemeClr>
+                        </a:solidFill>
+                        <a:effectLst/>
+                        <a:uLnTx/>
+                        <a:uFillTx/>
+                        <a:latin typeface="方正黑体简体" panose="02000000000000000000" pitchFamily="2" charset="-122"/>
+                        <a:ea typeface="方正黑体简体" panose="02000000000000000000" pitchFamily="2" charset="-122"/>
+                        <a:cs typeface="+mn-cs"/>
+                      </a:endParaRPr>
+                    </a:p>
+                  </a:txBody>
+                  <a:tcPr marL="6350" marR="6350" marT="6350" marB="0" anchor="ctr">
+                    <a:lnL>
+                      <a:noFill/>
+                    </a:lnL>
+                    <a:lnR>
+                      <a:noFill/>
+                    </a:lnR>
+                    <a:lnT>
+                      <a:noFill/>
+                    </a:lnT>
+                    <a:lnB>
+                      <a:noFill/>
+                    </a:lnB>
+                    <a:noFill/>
+                  </a:tcPr>
+                </a:tc>
+                <a:tc>
+                  <a:txBody>
+                    <a:bodyPr/>
+                    <a:lstStyle/>
+                    <a:p>
+                      <a:pPr algn="ctr" fontAlgn="ctr"/>
+                      <a:endParaRPr lang="zh-CN" altLang="en-US" sz="1200" b="0" i="0" u="none" strike="noStrike" dirty="0">
+                        <a:solidFill>
+                          <a:schemeClr val="tx1">
+                            <a:lumMod val="75000"/>
+                            <a:lumOff val="25000"/>
+                          </a:schemeClr>
+                        </a:solidFill>
+                        <a:effectLst/>
+                        <a:latin typeface="方正黑体简体" panose="02000000000000000000" pitchFamily="2" charset="-122"/>
+                        <a:ea typeface="方正黑体简体" panose="02000000000000000000" pitchFamily="2" charset="-122"/>
+                      </a:endParaRPr>
+                    </a:p>
+                  </a:txBody>
+                  <a:tcPr marL="6350" marR="6350" marT="6350" marB="0" anchor="ctr">
+                    <a:lnL>
+                      <a:noFill/>
+                    </a:lnL>
+                    <a:lnR>
+                      <a:noFill/>
+                    </a:lnR>
+                    <a:lnT>
+                      <a:noFill/>
+                    </a:lnT>
+                    <a:lnB>
+                      <a:noFill/>
+                    </a:lnB>
+                    <a:noFill/>
+                  </a:tcPr>
+                </a:tc>
+                <a:tc>
+                  <a:txBody>
+                    <a:bodyPr/>
+                    <a:lstStyle/>
+                    <a:p>
+                      <a:pPr marL="0" marR="0" lvl="0" indent="0" algn="ctr" defTabSz="914400" rtl="0" eaLnBrk="1" fontAlgn="ctr" latinLnBrk="0" hangingPunct="1">
+                        <a:lnSpc>
+                          <a:spcPct val="100000"/>
+                        </a:lnSpc>
+                        <a:spcBef>
+                          <a:spcPts val="0"/>
+                        </a:spcBef>
+                        <a:spcAft>
+                          <a:spcPts val="0"/>
+                        </a:spcAft>
+                        <a:buClrTx/>
+                        <a:buSzTx/>
+                        <a:buFontTx/>
+                        <a:buNone/>
+                        <a:defRPr/>
+                      </a:pPr>
+                      <a:endParaRPr kumimoji="0" lang="en-US" altLang="zh-CN" sz="1200" b="0" i="0" u="none" strike="noStrike" kern="1200" cap="none" spc="0" normalizeH="0" baseline="0" noProof="0" dirty="0">
+                        <a:ln>
+                          <a:noFill/>
+                        </a:ln>
+                        <a:solidFill>
+                          <a:schemeClr val="tx1">
+                            <a:lumMod val="75000"/>
+                            <a:lumOff val="25000"/>
+                          </a:schemeClr>
+                        </a:solidFill>
+                        <a:effectLst/>
+                        <a:uLnTx/>
+                        <a:uFillTx/>
+                        <a:latin typeface="方正黑体简体" panose="02000000000000000000" pitchFamily="2" charset="-122"/>
+                        <a:ea typeface="方正黑体简体" panose="02000000000000000000" pitchFamily="2" charset="-122"/>
+                        <a:cs typeface="+mn-cs"/>
+                      </a:endParaRPr>
+                    </a:p>
+                  </a:txBody>
+                  <a:tcPr marL="6350" marR="6350" marT="6350" marB="0" anchor="ctr">
+                    <a:lnL>
+                      <a:noFill/>
+                    </a:lnL>
+                    <a:lnR>
+                      <a:noFill/>
+                    </a:lnR>
+                    <a:lnT>
+                      <a:noFill/>
+                    </a:lnT>
+                    <a:lnB>
+                      <a:noFill/>
+                    </a:lnB>
+                    <a:noFill/>
+                  </a:tcPr>
+                </a:tc>
+                <a:extLst>
+                  <a:ext uri="{0D108BD9-81ED-4DB2-BD59-A6C34878D82A}">
+                    <a16:rowId xmlns:a16="http://schemas.microsoft.com/office/drawing/2014/main" val="10007"/>
+                  </a:ext>
+                </a:extLst>
+              </a:tr>
+              <a:tr h="222885">
+                <a:tc>
+                  <a:txBody>
+                    <a:bodyPr/>
+                    <a:lstStyle/>
+                    <a:p>
+                      <a:pPr marL="0" marR="0" lvl="0" indent="0" algn="ctr" defTabSz="914400" rtl="0" eaLnBrk="1" fontAlgn="ctr" latinLnBrk="0" hangingPunct="1">
+                        <a:lnSpc>
+                          <a:spcPct val="100000"/>
+                        </a:lnSpc>
+                        <a:spcBef>
+                          <a:spcPts val="0"/>
+                        </a:spcBef>
+                        <a:spcAft>
+                          <a:spcPts val="0"/>
+                        </a:spcAft>
+                        <a:buClrTx/>
+                        <a:buSzTx/>
+                        <a:buFontTx/>
+                        <a:buNone/>
+                        <a:defRPr/>
+                      </a:pPr>
+                      <a:r>
+                        <a:rPr kumimoji="0" lang="en-US" altLang="zh-CN" sz="1200" b="0" i="0" u="none" strike="noStrike" kern="1200" cap="none" spc="0" normalizeH="0" baseline="0" noProof="0" dirty="0">
+                          <a:ln>
+                            <a:noFill/>
+                          </a:ln>
+                          <a:solidFill>
+                            <a:schemeClr val="tx1">
+                              <a:lumMod val="75000"/>
+                              <a:lumOff val="25000"/>
+                            </a:schemeClr>
+                          </a:solidFill>
+                          <a:effectLst/>
+                          <a:uLnTx/>
+                          <a:uFillTx/>
+                          <a:latin typeface="方正黑体简体" panose="02000000000000000000" pitchFamily="2" charset="-122"/>
+                          <a:ea typeface="方正黑体简体" panose="02000000000000000000" pitchFamily="2" charset="-122"/>
+                          <a:cs typeface="+mn-cs"/>
+                        </a:rPr>
+                        <a:t>#table1#</a:t>
+                      </a:r>
+                      <a:endParaRPr kumimoji="0" lang="zh-CN" altLang="en-US" sz="1200" b="0" i="0" u="none" strike="noStrike" kern="1200" cap="none" spc="0" normalizeH="0" baseline="0" noProof="0" dirty="0">
+                        <a:ln>
+                          <a:noFill/>
+                        </a:ln>
+                        <a:solidFill>
+                          <a:schemeClr val="tx1">
+                            <a:lumMod val="75000"/>
+                            <a:lumOff val="25000"/>
+                          </a:schemeClr>
+                        </a:solidFill>
+                        <a:effectLst/>
+                        <a:uLnTx/>
+                        <a:uFillTx/>
+                        <a:latin typeface="方正黑体简体" panose="02000000000000000000" pitchFamily="2" charset="-122"/>
+                        <a:ea typeface="方正黑体简体" panose="02000000000000000000" pitchFamily="2" charset="-122"/>
+                        <a:cs typeface="+mn-cs"/>
+                      </a:endParaRPr>
+                    </a:p>
+                  </a:txBody>
+                  <a:tcPr marL="6350" marR="6350" marT="6350" marB="0" anchor="ctr">
+                    <a:lnL>
+                      <a:noFill/>
+                    </a:lnL>
+                    <a:lnR>
+                      <a:noFill/>
+                    </a:lnR>
+                    <a:lnT>
+                      <a:noFill/>
+                    </a:lnT>
+                    <a:lnB>
+                      <a:noFill/>
+                    </a:lnB>
+                    <a:noFill/>
+                  </a:tcPr>
+                </a:tc>
+                <a:tc>
+                  <a:txBody>
+                    <a:bodyPr/>
+                    <a:lstStyle/>
+                    <a:p>
+                      <a:pPr marL="0" marR="0" indent="0" algn="ctr" defTabSz="914400" rtl="0" eaLnBrk="1" fontAlgn="ctr" latinLnBrk="0" hangingPunct="1">
+                        <a:lnSpc>
+                          <a:spcPct val="100000"/>
+                        </a:lnSpc>
+                        <a:spcBef>
+                          <a:spcPts val="0"/>
+                        </a:spcBef>
+                        <a:spcAft>
+                          <a:spcPts val="0"/>
+                        </a:spcAft>
+                        <a:buClrTx/>
+                        <a:buSzTx/>
+                        <a:buFontTx/>
+                        <a:buNone/>
+                        <a:defRPr/>
+                      </a:pPr>
+                      <a:endParaRPr lang="zh-CN" altLang="en-US" sz="1200" b="0" i="0" u="none" strike="noStrike" dirty="0">
+                        <a:solidFill>
+                          <a:schemeClr val="tx1">
+                            <a:lumMod val="75000"/>
+                            <a:lumOff val="25000"/>
+                          </a:schemeClr>
+                        </a:solidFill>
+                        <a:effectLst/>
+                        <a:latin typeface="方正黑体简体" panose="02000000000000000000" pitchFamily="2" charset="-122"/>
+                        <a:ea typeface="方正黑体简体" panose="02000000000000000000" pitchFamily="2" charset="-122"/>
+                      </a:endParaRPr>
+                    </a:p>
+                  </a:txBody>
+                  <a:tcPr marL="6350" marR="6350" marT="6350" marB="0" anchor="ctr">
+                    <a:lnL>
+                      <a:noFill/>
+                    </a:lnL>
+                    <a:lnR>
+                      <a:noFill/>
+                    </a:lnR>
+                    <a:lnT>
+                      <a:noFill/>
+                    </a:lnT>
+                    <a:lnB>
+                      <a:noFill/>
+                    </a:lnB>
+                    <a:noFill/>
+                  </a:tcPr>
+                </a:tc>
+                <a:tc>
+                  <a:txBody>
+                    <a:bodyPr/>
+                    <a:lstStyle/>
+                    <a:p>
+                      <a:pPr marL="0" marR="0" lvl="0" indent="0" algn="ctr" defTabSz="914400" rtl="0" eaLnBrk="1" fontAlgn="ctr" latinLnBrk="0" hangingPunct="1">
+                        <a:lnSpc>
+                          <a:spcPct val="100000"/>
+                        </a:lnSpc>
+                        <a:spcBef>
+                          <a:spcPts val="0"/>
+                        </a:spcBef>
+                        <a:spcAft>
+                          <a:spcPts val="0"/>
+                        </a:spcAft>
+                        <a:buClrTx/>
+                        <a:buSzTx/>
+                        <a:buFontTx/>
+                        <a:buNone/>
+                        <a:defRPr/>
+                      </a:pPr>
+                      <a:endParaRPr kumimoji="0" lang="en-US" altLang="zh-CN" sz="1200" b="0" i="0" u="none" strike="noStrike" kern="1200" cap="none" spc="0" normalizeH="0" baseline="0" noProof="0" dirty="0">
+                        <a:ln>
+                          <a:noFill/>
+                        </a:ln>
+                        <a:solidFill>
+                          <a:schemeClr val="tx1">
+                            <a:lumMod val="75000"/>
+                            <a:lumOff val="25000"/>
+                          </a:schemeClr>
+                        </a:solidFill>
+                        <a:effectLst/>
+                        <a:uLnTx/>
+                        <a:uFillTx/>
+                        <a:latin typeface="方正黑体简体" panose="02000000000000000000" pitchFamily="2" charset="-122"/>
+                        <a:ea typeface="方正黑体简体" panose="02000000000000000000" pitchFamily="2" charset="-122"/>
+                        <a:cs typeface="+mn-cs"/>
+                      </a:endParaRPr>
+                    </a:p>
+                  </a:txBody>
+                  <a:tcPr marL="6350" marR="6350" marT="6350" marB="0" anchor="ctr">
+                    <a:lnL>
+                      <a:noFill/>
+                    </a:lnL>
+                    <a:lnR>
+                      <a:noFill/>
+                    </a:lnR>
+                    <a:lnT>
+                      <a:noFill/>
+                    </a:lnT>
+                    <a:lnB>
+                      <a:noFill/>
+                    </a:lnB>
+                    <a:noFill/>
+                  </a:tcPr>
+                </a:tc>
+                <a:extLst>
+                  <a:ext uri="{0D108BD9-81ED-4DB2-BD59-A6C34878D82A}">
+                    <a16:rowId xmlns:a16="http://schemas.microsoft.com/office/drawing/2014/main" val="10008"/>
+                  </a:ext>
+                </a:extLst>
+              </a:tr>
+              <a:tr h="292735">
+                <a:tc>
+                  <a:txBody>
+                    <a:bodyPr/>
+                    <a:lstStyle/>
+                    <a:p>
+                      <a:pPr marL="0" marR="0" lvl="0" indent="0" algn="ctr" defTabSz="914400" rtl="0" eaLnBrk="1" fontAlgn="ctr" latinLnBrk="0" hangingPunct="1">
+                        <a:lnSpc>
+                          <a:spcPct val="100000"/>
+                        </a:lnSpc>
+                        <a:spcBef>
+                          <a:spcPts val="0"/>
+                        </a:spcBef>
+                        <a:spcAft>
+                          <a:spcPts val="0"/>
+                        </a:spcAft>
+                        <a:buClrTx/>
+                        <a:buSzTx/>
+                        <a:buFontTx/>
+                        <a:buNone/>
+                        <a:defRPr/>
+                      </a:pPr>
+                      <a:r>
+                        <a:rPr kumimoji="0" lang="en-US" altLang="zh-CN" sz="1200" b="0" i="0" u="none" strike="noStrike" kern="1200" cap="none" spc="0" normalizeH="0" baseline="0" noProof="0" dirty="0">
+                          <a:ln>
+                            <a:noFill/>
+                          </a:ln>
+                          <a:solidFill>
+                            <a:schemeClr val="tx1">
+                              <a:lumMod val="75000"/>
+                              <a:lumOff val="25000"/>
+                            </a:schemeClr>
+                          </a:solidFill>
+                          <a:effectLst/>
+                          <a:uLnTx/>
+                          <a:uFillTx/>
+                          <a:latin typeface="方正黑体简体" panose="02000000000000000000" pitchFamily="2" charset="-122"/>
+                          <a:ea typeface="方正黑体简体" panose="02000000000000000000" pitchFamily="2" charset="-122"/>
+                          <a:cs typeface="+mn-cs"/>
+                        </a:rPr>
+                        <a:t>#table1#</a:t>
+                      </a:r>
+                      <a:endParaRPr kumimoji="0" lang="zh-CN" altLang="en-US" sz="1200" b="0" i="0" u="none" strike="noStrike" kern="1200" cap="none" spc="0" normalizeH="0" baseline="0" noProof="0" dirty="0">
+                        <a:ln>
+                          <a:noFill/>
+                        </a:ln>
+                        <a:solidFill>
+                          <a:schemeClr val="tx1">
+                            <a:lumMod val="75000"/>
+                            <a:lumOff val="25000"/>
+                          </a:schemeClr>
+                        </a:solidFill>
+                        <a:effectLst/>
+                        <a:uLnTx/>
+                        <a:uFillTx/>
+                        <a:latin typeface="方正黑体简体" panose="02000000000000000000" pitchFamily="2" charset="-122"/>
+                        <a:ea typeface="方正黑体简体" panose="02000000000000000000" pitchFamily="2" charset="-122"/>
+                        <a:cs typeface="+mn-cs"/>
+                      </a:endParaRPr>
+                    </a:p>
+                  </a:txBody>
+                  <a:tcPr marL="6350" marR="6350" marT="6350" marB="0" anchor="ctr">
+                    <a:lnL>
+                      <a:noFill/>
+                    </a:lnL>
+                    <a:lnR>
+                      <a:noFill/>
+                    </a:lnR>
+                    <a:lnT>
+                      <a:noFill/>
+                    </a:lnT>
+                    <a:lnB w="12700" cap="flat" cmpd="sng" algn="ctr">
+                      <a:noFill/>
+                      <a:prstDash val="solid"/>
+                      <a:round/>
+                      <a:headEnd type="none" w="med" len="med"/>
+                      <a:tailEnd type="none" w="med" len="med"/>
+                    </a:lnB>
+                    <a:noFill/>
+                  </a:tcPr>
+                </a:tc>
+                <a:tc>
+                  <a:txBody>
+                    <a:bodyPr/>
+                    <a:lstStyle/>
+                    <a:p>
+                      <a:pPr algn="ctr" fontAlgn="ctr"/>
+                      <a:endParaRPr lang="zh-CN" altLang="en-US" sz="1200" b="0" i="0" u="none" strike="noStrike" dirty="0">
+                        <a:solidFill>
+                          <a:schemeClr val="tx1">
+                            <a:lumMod val="75000"/>
+                            <a:lumOff val="25000"/>
+                          </a:schemeClr>
+                        </a:solidFill>
+                        <a:effectLst/>
+                        <a:latin typeface="方正黑体简体" panose="02000000000000000000" pitchFamily="2" charset="-122"/>
+                        <a:ea typeface="方正黑体简体" panose="02000000000000000000" pitchFamily="2" charset="-122"/>
+                      </a:endParaRPr>
+                    </a:p>
+                  </a:txBody>
+                  <a:tcPr marL="6350" marR="6350" marT="6350" marB="0" anchor="ctr">
+                    <a:lnL>
+                      <a:noFill/>
+                    </a:lnL>
+                    <a:lnR>
+                      <a:noFill/>
+                    </a:lnR>
+                    <a:lnT>
+                      <a:noFill/>
+                    </a:lnT>
+                    <a:lnB w="12700" cap="flat" cmpd="sng" algn="ctr">
+                      <a:noFill/>
+                      <a:prstDash val="solid"/>
+                      <a:round/>
+                      <a:headEnd type="none" w="med" len="med"/>
+                      <a:tailEnd type="none" w="med" len="med"/>
+                    </a:lnB>
+                    <a:noFill/>
+                  </a:tcPr>
+                </a:tc>
+                <a:tc>
+                  <a:txBody>
+                    <a:bodyPr/>
+                    <a:lstStyle/>
+                    <a:p>
+                      <a:pPr marL="0" marR="0" lvl="0" indent="0" algn="ctr" defTabSz="914400" rtl="0" eaLnBrk="1" fontAlgn="ctr" latinLnBrk="0" hangingPunct="1">
+                        <a:lnSpc>
+                          <a:spcPct val="100000"/>
+                        </a:lnSpc>
+                        <a:spcBef>
+                          <a:spcPts val="0"/>
+                        </a:spcBef>
+                        <a:spcAft>
+                          <a:spcPts val="0"/>
+                        </a:spcAft>
+                        <a:buClrTx/>
+                        <a:buSzTx/>
+                        <a:buFontTx/>
+                        <a:buNone/>
+                        <a:defRPr/>
+                      </a:pPr>
+                      <a:endParaRPr kumimoji="0" lang="en-US" altLang="zh-CN" sz="1200" b="0" i="0" u="none" strike="noStrike" kern="1200" cap="none" spc="0" normalizeH="0" baseline="0" noProof="0" dirty="0">
+                        <a:ln>
+                          <a:noFill/>
+                        </a:ln>
+                        <a:solidFill>
+                          <a:schemeClr val="tx1">
+                            <a:lumMod val="75000"/>
+                            <a:lumOff val="25000"/>
+                          </a:schemeClr>
+                        </a:solidFill>
+                        <a:effectLst/>
+                        <a:uLnTx/>
+                        <a:uFillTx/>
+                        <a:latin typeface="方正黑体简体" panose="02000000000000000000" pitchFamily="2" charset="-122"/>
+                        <a:ea typeface="方正黑体简体" panose="02000000000000000000" pitchFamily="2" charset="-122"/>
+                        <a:cs typeface="+mn-cs"/>
+                      </a:endParaRPr>
+                    </a:p>
+                  </a:txBody>
+                  <a:tcPr marL="6350" marR="6350" marT="6350" marB="0" anchor="ctr">
+                    <a:lnL>
+                      <a:noFill/>
+                    </a:lnL>
+                    <a:lnR>
+                      <a:noFill/>
+                    </a:lnR>
+                    <a:lnT>
+                      <a:noFill/>
+                    </a:lnT>
+                    <a:lnB w="12700" cap="flat" cmpd="sng" algn="ctr">
+                      <a:noFill/>
+                      <a:prstDash val="solid"/>
+                      <a:round/>
+                      <a:headEnd type="none" w="med" len="med"/>
+                      <a:tailEnd type="none" w="med" len="med"/>
+                    </a:lnB>
+                    <a:noFill/>
+                  </a:tcPr>
+                </a:tc>
+                <a:extLst>
+                  <a:ext uri="{0D108BD9-81ED-4DB2-BD59-A6C34878D82A}">
+                    <a16:rowId xmlns:a16="http://schemas.microsoft.com/office/drawing/2014/main" val="10009"/>
+                  </a:ext>
+                </a:extLst>
+              </a:tr>
+              <a:tr h="293370">
+                <a:tc>
+                  <a:txBody>
+                    <a:bodyPr/>
+                    <a:lstStyle/>
+                    <a:p>
+                      <a:pPr marL="0" marR="0" lvl="0" indent="0" algn="ctr" defTabSz="914400" rtl="0" eaLnBrk="1" fontAlgn="ctr" latinLnBrk="0" hangingPunct="1">
+                        <a:lnSpc>
+                          <a:spcPct val="100000"/>
+                        </a:lnSpc>
+                        <a:spcBef>
+                          <a:spcPts val="0"/>
+                        </a:spcBef>
+                        <a:spcAft>
+                          <a:spcPts val="0"/>
+                        </a:spcAft>
+                        <a:buClrTx/>
+                        <a:buSzTx/>
+                        <a:buFontTx/>
+                        <a:buNone/>
+                        <a:defRPr/>
+                      </a:pPr>
+                      <a:r>
+                        <a:rPr kumimoji="0" lang="en-US" altLang="zh-CN" sz="1200" b="0" i="0" u="none" strike="noStrike" kern="1200" cap="none" spc="0" normalizeH="0" baseline="0" noProof="0" dirty="0">
+                          <a:ln>
+                            <a:noFill/>
+                          </a:ln>
+                          <a:solidFill>
+                            <a:schemeClr val="tx1">
+                              <a:lumMod val="75000"/>
+                              <a:lumOff val="25000"/>
+                            </a:schemeClr>
+                          </a:solidFill>
+                          <a:effectLst/>
+                          <a:uLnTx/>
+                          <a:uFillTx/>
+                          <a:latin typeface="方正黑体简体" panose="02000000000000000000" pitchFamily="2" charset="-122"/>
+                          <a:ea typeface="方正黑体简体" panose="02000000000000000000" pitchFamily="2" charset="-122"/>
+                          <a:cs typeface="+mn-cs"/>
+                        </a:rPr>
+                        <a:t>#table1#</a:t>
+                      </a:r>
+                      <a:endParaRPr kumimoji="0" lang="zh-CN" altLang="en-US" sz="1200" b="0" i="0" u="none" strike="noStrike" kern="1200" cap="none" spc="0" normalizeH="0" baseline="0" noProof="0" dirty="0">
+                        <a:ln>
+                          <a:noFill/>
+                        </a:ln>
+                        <a:solidFill>
+                          <a:schemeClr val="tx1">
+                            <a:lumMod val="75000"/>
+                            <a:lumOff val="25000"/>
+                          </a:schemeClr>
+                        </a:solidFill>
+                        <a:effectLst/>
+                        <a:uLnTx/>
+                        <a:uFillTx/>
+                        <a:latin typeface="方正黑体简体" panose="02000000000000000000" pitchFamily="2" charset="-122"/>
+                        <a:ea typeface="方正黑体简体" panose="02000000000000000000" pitchFamily="2" charset="-122"/>
+                        <a:cs typeface="+mn-cs"/>
+                      </a:endParaRPr>
+                    </a:p>
+                  </a:txBody>
+                  <a:tcPr marL="6350" marR="6350" marT="6350" marB="0" anchor="ctr">
+                    <a:lnL>
+                      <a:noFill/>
+                    </a:lnL>
+                    <a:lnR>
+                      <a:noFill/>
+                    </a:lnR>
+                    <a:lnT>
+                      <a:noFill/>
+                    </a:lnT>
+                    <a:lnB w="12700" cap="flat" cmpd="sng" algn="ctr">
+                      <a:solidFill>
+                        <a:srgbClr val="000000"/>
+                      </a:solidFill>
+                      <a:prstDash val="solid"/>
+                      <a:round/>
+                      <a:headEnd type="none" w="med" len="med"/>
+                      <a:tailEnd type="none" w="med" len="med"/>
+                    </a:lnB>
+                    <a:noFill/>
+                  </a:tcPr>
+                </a:tc>
+                <a:tc>
+                  <a:txBody>
+                    <a:bodyPr/>
+                    <a:lstStyle/>
+                    <a:p>
+                      <a:pPr marL="0" marR="0" lvl="0" indent="0" algn="ctr" defTabSz="914400" rtl="0" eaLnBrk="1" fontAlgn="ctr" latinLnBrk="0" hangingPunct="1">
+                        <a:lnSpc>
+                          <a:spcPct val="100000"/>
+                        </a:lnSpc>
+                        <a:spcBef>
+                          <a:spcPts val="0"/>
+                        </a:spcBef>
+                        <a:spcAft>
+                          <a:spcPts val="0"/>
+                        </a:spcAft>
+                        <a:buClrTx/>
+                        <a:buSzTx/>
+                        <a:buFontTx/>
+                        <a:buNone/>
+                        <a:defRPr/>
+                      </a:pPr>
+                      <a:endParaRPr kumimoji="0" lang="zh-CN" altLang="en-US" sz="1200" b="0" i="0" u="none" strike="noStrike" kern="1200" cap="none" spc="0" normalizeH="0" baseline="0" noProof="0" dirty="0">
+                        <a:ln>
+                          <a:noFill/>
+                        </a:ln>
+                        <a:solidFill>
+                          <a:schemeClr val="tx1">
+                            <a:lumMod val="75000"/>
+                            <a:lumOff val="25000"/>
+                          </a:schemeClr>
+                        </a:solidFill>
+                        <a:effectLst/>
+                        <a:uLnTx/>
+                        <a:uFillTx/>
+                        <a:latin typeface="方正黑体简体" panose="02000000000000000000" pitchFamily="2" charset="-122"/>
+                        <a:ea typeface="方正黑体简体" panose="02000000000000000000" pitchFamily="2" charset="-122"/>
+                        <a:cs typeface="+mn-cs"/>
+                      </a:endParaRPr>
+                    </a:p>
+                  </a:txBody>
+                  <a:tcPr marL="6350" marR="6350" marT="6350" marB="0" anchor="ctr">
+                    <a:lnL>
+                      <a:noFill/>
+                    </a:lnL>
+                    <a:lnR>
+                      <a:noFill/>
+                    </a:lnR>
+                    <a:lnT>
+                      <a:noFill/>
+                    </a:lnT>
+                    <a:lnB w="12700" cap="flat" cmpd="sng" algn="ctr">
+                      <a:solidFill>
+                        <a:srgbClr val="000000"/>
+                      </a:solidFill>
+                      <a:prstDash val="solid"/>
+                      <a:round/>
+                      <a:headEnd type="none" w="med" len="med"/>
+                      <a:tailEnd type="none" w="med" len="med"/>
+                    </a:lnB>
+                    <a:noFill/>
+                  </a:tcPr>
+                </a:tc>
+                <a:tc>
+                  <a:txBody>
+                    <a:bodyPr/>
+                    <a:lstStyle/>
+                    <a:p>
+                      <a:pPr marL="0" marR="0" lvl="0" indent="0" algn="ctr" defTabSz="914400" rtl="0" eaLnBrk="1" fontAlgn="ctr" latinLnBrk="0" hangingPunct="1">
+                        <a:lnSpc>
+                          <a:spcPct val="100000"/>
+                        </a:lnSpc>
+                        <a:spcBef>
+                          <a:spcPts val="0"/>
+                        </a:spcBef>
+                        <a:spcAft>
+                          <a:spcPts val="0"/>
+                        </a:spcAft>
+                        <a:buClrTx/>
+                        <a:buSzTx/>
+                        <a:buFontTx/>
+                        <a:buNone/>
+                        <a:defRPr/>
+                      </a:pPr>
+                      <a:endParaRPr kumimoji="0" lang="en-US" altLang="zh-CN" sz="1200" b="0" i="0" u="none" strike="noStrike" kern="1200" cap="none" spc="0" normalizeH="0" baseline="0" noProof="0" dirty="0">
+                        <a:ln>
+                          <a:noFill/>
+                        </a:ln>
+                        <a:solidFill>
+                          <a:schemeClr val="tx1">
+                            <a:lumMod val="75000"/>
+                            <a:lumOff val="25000"/>
+                          </a:schemeClr>
+                        </a:solidFill>
+                        <a:effectLst/>
+                        <a:uLnTx/>
+                        <a:uFillTx/>
+                        <a:latin typeface="方正黑体简体" panose="02000000000000000000" pitchFamily="2" charset="-122"/>
+                        <a:ea typeface="方正黑体简体" panose="02000000000000000000" pitchFamily="2" charset="-122"/>
+                        <a:cs typeface="+mn-cs"/>
+                      </a:endParaRPr>
+                    </a:p>
+                  </a:txBody>
+                  <a:tcPr marL="6350" marR="6350" marT="6350" marB="0" anchor="ctr">
+                    <a:lnL>
+                      <a:noFill/>
+                    </a:lnL>
+                    <a:lnR>
+                      <a:noFill/>
+                    </a:lnR>
+                    <a:lnT>
+                      <a:noFill/>
+                    </a:lnT>
+                    <a:lnB w="12700" cap="flat" cmpd="sng" algn="ctr">
+                      <a:solidFill>
+                        <a:srgbClr val="000000"/>
+                      </a:solidFill>
+                      <a:prstDash val="solid"/>
+                      <a:round/>
+                      <a:headEnd type="none" w="med" len="med"/>
+                      <a:tailEnd type="none" w="med" len="med"/>
+                    </a:lnB>
+                    <a:noFill/>
+                  </a:tcPr>
+                </a:tc>
+                <a:extLst>
+                  <a:ext uri="{0D108BD9-81ED-4DB2-BD59-A6C34878D82A}">
+                    <a16:rowId xmlns:a16="http://schemas.microsoft.com/office/drawing/2014/main" val="10010"/>
+                  </a:ext>
+                </a:extLst>
+              </a:tr>
+            </a:tbl>
+          </a:graphicData>
+        </a:graphic>
+      </p:graphicFrame>
+    </p:spTree>
+  </p:cSld>
+  <p:clrMapOvr>
+    <a:masterClrMapping/>
+  </p:clrMapOvr>
+</p:sld>
+</file>
+
+<file path=ppt/slides/slide3.xml><?xml version="1.0" encoding="utf-8"?>
+<p:sld xmlns:a="http://schemas.openxmlformats.org/drawingml/2006/main" xmlns:r="http://schemas.openxmlformats.org/officeDocument/2006/relationships" xmlns:p="http://schemas.openxmlformats.org/presentationml/2006/main">
+  <p:cSld>
+    <p:spTree>
+      <p:nvGrpSpPr>
+        <p:cNvPr id="1" name=""/>
+        <p:cNvGrpSpPr/>
+        <p:nvPr/>
+      </p:nvGrpSpPr>
+      <p:grpSpPr>
+        <a:xfrm>
+          <a:off x="0" y="0"/>
+          <a:ext cx="0" cy="0"/>
+          <a:chOff x="0" y="0"/>
+          <a:chExt cx="0" cy="0"/>
+        </a:xfrm>
+      </p:grpSpPr>
+      <p:sp>
+        <p:nvSpPr>
+          <p:cNvPr id="8" name="矩形 7"/>
           <p:cNvSpPr/>
           <p:nvPr/>
         </p:nvSpPr>
@@ -3815,13 +5392,7 @@
       </p:sp>
       <p:sp>
         <p:nvSpPr>
-          <p:cNvPr id="9" name="文本框 8">
-            <a:extLst>
-              <a:ext uri="{FF2B5EF4-FFF2-40B4-BE49-F238E27FC236}">
-                <a16:creationId xmlns:a16="http://schemas.microsoft.com/office/drawing/2014/main" id="{2EFC878A-F7F2-47CB-8639-45591D775854}"/>
-              </a:ext>
-            </a:extLst>
-          </p:cNvPr>
+          <p:cNvPr id="9" name="文本框 8"/>
           <p:cNvSpPr txBox="1"/>
           <p:nvPr/>
         </p:nvSpPr>
@@ -3853,11 +5424,6 @@
         </p:txBody>
       </p:sp>
     </p:spTree>
-    <p:extLst>
-      <p:ext uri="{BB962C8B-B14F-4D97-AF65-F5344CB8AC3E}">
-        <p14:creationId xmlns:p14="http://schemas.microsoft.com/office/powerpoint/2010/main" val="3058949280"/>
-      </p:ext>
-    </p:extLst>
   </p:cSld>
   <p:clrMapOvr>
     <a:masterClrMapping/>
@@ -3865,7 +5431,7 @@
 </p:sld>
 </file>
 
-<file path=ppt/slides/slide3.xml><?xml version="1.0" encoding="utf-8"?>
+<file path=ppt/slides/slide4.xml><?xml version="1.0" encoding="utf-8"?>
 <p:sld xmlns:a="http://schemas.openxmlformats.org/drawingml/2006/main" xmlns:r="http://schemas.openxmlformats.org/officeDocument/2006/relationships" xmlns:p="http://schemas.openxmlformats.org/presentationml/2006/main">
   <p:cSld>
     <p:spTree>
@@ -3884,13 +5450,7 @@
       </p:grpSpPr>
       <p:sp>
         <p:nvSpPr>
-          <p:cNvPr id="8" name="矩形 7">
-            <a:extLst>
-              <a:ext uri="{FF2B5EF4-FFF2-40B4-BE49-F238E27FC236}">
-                <a16:creationId xmlns:a16="http://schemas.microsoft.com/office/drawing/2014/main" id="{8C278EBA-2722-4C33-B5E2-C687F384EA9E}"/>
-              </a:ext>
-            </a:extLst>
-          </p:cNvPr>
+          <p:cNvPr id="8" name="矩形 7"/>
           <p:cNvSpPr/>
           <p:nvPr/>
         </p:nvSpPr>
@@ -3942,13 +5502,7 @@
       </p:sp>
       <p:sp>
         <p:nvSpPr>
-          <p:cNvPr id="9" name="文本框 8">
-            <a:extLst>
-              <a:ext uri="{FF2B5EF4-FFF2-40B4-BE49-F238E27FC236}">
-                <a16:creationId xmlns:a16="http://schemas.microsoft.com/office/drawing/2014/main" id="{2EFC878A-F7F2-47CB-8639-45591D775854}"/>
-              </a:ext>
-            </a:extLst>
-          </p:cNvPr>
+          <p:cNvPr id="9" name="文本框 8"/>
           <p:cNvSpPr txBox="1"/>
           <p:nvPr/>
         </p:nvSpPr>
@@ -3980,11 +5534,6 @@
         </p:txBody>
       </p:sp>
     </p:spTree>
-    <p:extLst>
-      <p:ext uri="{BB962C8B-B14F-4D97-AF65-F5344CB8AC3E}">
-        <p14:creationId xmlns:p14="http://schemas.microsoft.com/office/powerpoint/2010/main" val="696315957"/>
-      </p:ext>
-    </p:extLst>
   </p:cSld>
   <p:clrMapOvr>
     <a:masterClrMapping/>
@@ -3992,7 +5541,7 @@
 </p:sld>
 </file>
 
-<file path=ppt/slides/slide4.xml><?xml version="1.0" encoding="utf-8"?>
+<file path=ppt/slides/slide5.xml><?xml version="1.0" encoding="utf-8"?>
 <p:sld xmlns:a="http://schemas.openxmlformats.org/drawingml/2006/main" xmlns:r="http://schemas.openxmlformats.org/officeDocument/2006/relationships" xmlns:p="http://schemas.openxmlformats.org/presentationml/2006/main">
   <p:cSld>
     <p:spTree>
@@ -4011,27 +5560,21 @@
       </p:grpSpPr>
       <p:graphicFrame>
         <p:nvGraphicFramePr>
-          <p:cNvPr id="2" name="表格 2">
-            <a:extLst>
-              <a:ext uri="{FF2B5EF4-FFF2-40B4-BE49-F238E27FC236}">
-                <a16:creationId xmlns:a16="http://schemas.microsoft.com/office/drawing/2014/main" id="{B5753975-A3E0-4F8B-85F5-824667BB7ABD}"/>
-              </a:ext>
-            </a:extLst>
-          </p:cNvPr>
+          <p:cNvPr id="2" name="表格 2"/>
           <p:cNvGraphicFramePr>
             <a:graphicFrameLocks noGrp="1"/>
           </p:cNvGraphicFramePr>
           <p:nvPr>
             <p:extLst>
               <p:ext uri="{D42A27DB-BD31-4B8C-83A1-F6EECF244321}">
-                <p14:modId xmlns:p14="http://schemas.microsoft.com/office/powerpoint/2010/main" val="1967763060"/>
+                <p14:modId xmlns:p14="http://schemas.microsoft.com/office/powerpoint/2010/main" val="2709220749"/>
               </p:ext>
             </p:extLst>
           </p:nvPr>
         </p:nvGraphicFramePr>
         <p:xfrm>
           <a:off x="106485" y="1387881"/>
-          <a:ext cx="8128000" cy="2931160"/>
+          <a:ext cx="8128000" cy="2123440"/>
         </p:xfrm>
         <a:graphic>
           <a:graphicData uri="http://schemas.openxmlformats.org/drawingml/2006/table">
@@ -4043,28 +5586,28 @@
                 <a:gridCol w="2038838">
                   <a:extLst>
                     <a:ext uri="{9D8B030D-6E8A-4147-A177-3AD203B41FA5}">
-                      <a16:colId xmlns:a16="http://schemas.microsoft.com/office/drawing/2014/main" val="2723373688"/>
+                      <a16:colId xmlns:a16="http://schemas.microsoft.com/office/drawing/2014/main" val="20000"/>
                     </a:ext>
                   </a:extLst>
                 </a:gridCol>
                 <a:gridCol w="2025162">
                   <a:extLst>
                     <a:ext uri="{9D8B030D-6E8A-4147-A177-3AD203B41FA5}">
-                      <a16:colId xmlns:a16="http://schemas.microsoft.com/office/drawing/2014/main" val="1490108791"/>
+                      <a16:colId xmlns:a16="http://schemas.microsoft.com/office/drawing/2014/main" val="20001"/>
                     </a:ext>
                   </a:extLst>
                 </a:gridCol>
                 <a:gridCol w="2032000">
                   <a:extLst>
                     <a:ext uri="{9D8B030D-6E8A-4147-A177-3AD203B41FA5}">
-                      <a16:colId xmlns:a16="http://schemas.microsoft.com/office/drawing/2014/main" val="2984379607"/>
+                      <a16:colId xmlns:a16="http://schemas.microsoft.com/office/drawing/2014/main" val="20002"/>
                     </a:ext>
                   </a:extLst>
                 </a:gridCol>
                 <a:gridCol w="2032000">
                   <a:extLst>
                     <a:ext uri="{9D8B030D-6E8A-4147-A177-3AD203B41FA5}">
-                      <a16:colId xmlns:a16="http://schemas.microsoft.com/office/drawing/2014/main" val="2785270860"/>
+                      <a16:colId xmlns:a16="http://schemas.microsoft.com/office/drawing/2014/main" val="20003"/>
                     </a:ext>
                   </a:extLst>
                 </a:gridCol>
@@ -4144,7 +5687,7 @@
                 </a:tc>
                 <a:extLst>
                   <a:ext uri="{0D108BD9-81ED-4DB2-BD59-A6C34878D82A}">
-                    <a16:rowId xmlns:a16="http://schemas.microsoft.com/office/drawing/2014/main" val="403261667"/>
+                    <a16:rowId xmlns:a16="http://schemas.microsoft.com/office/drawing/2014/main" val="10000"/>
                   </a:ext>
                 </a:extLst>
               </a:tr>
@@ -4171,43 +5714,6 @@
                   </a:txBody>
                   <a:tcPr/>
                 </a:tc>
-                <a:tc>
-                  <a:txBody>
-                    <a:bodyPr/>
-                    <a:lstStyle/>
-                    <a:p>
-                      <a:endParaRPr lang="zh-CN" altLang="en-US"/>
-                    </a:p>
-                  </a:txBody>
-                  <a:tcPr/>
-                </a:tc>
-                <a:tc>
-                  <a:txBody>
-                    <a:bodyPr/>
-                    <a:lstStyle/>
-                    <a:p>
-                      <a:endParaRPr lang="zh-CN" altLang="en-US"/>
-                    </a:p>
-                  </a:txBody>
-                  <a:tcPr/>
-                </a:tc>
-                <a:tc>
-                  <a:txBody>
-                    <a:bodyPr/>
-                    <a:lstStyle/>
-                    <a:p>
-                      <a:endParaRPr lang="zh-CN" altLang="en-US"/>
-                    </a:p>
-                  </a:txBody>
-                  <a:tcPr/>
-                </a:tc>
-                <a:extLst>
-                  <a:ext uri="{0D108BD9-81ED-4DB2-BD59-A6C34878D82A}">
-                    <a16:rowId xmlns:a16="http://schemas.microsoft.com/office/drawing/2014/main" val="1056704743"/>
-                  </a:ext>
-                </a:extLst>
-              </a:tr>
-              <a:tr h="370840">
                 <a:tc>
                   <a:txBody>
                     <a:bodyPr/>
@@ -4252,38 +5758,40 @@
                     <a:bodyPr/>
                     <a:lstStyle/>
                     <a:p>
-                      <a:endParaRPr lang="zh-CN" altLang="en-US"/>
+                      <a:pPr marL="0" marR="0" lvl="0" indent="0" algn="l" defTabSz="914400" rtl="0" eaLnBrk="1" fontAlgn="auto" latinLnBrk="0" hangingPunct="1">
+                        <a:lnSpc>
+                          <a:spcPct val="100000"/>
+                        </a:lnSpc>
+                        <a:spcBef>
+                          <a:spcPts val="0"/>
+                        </a:spcBef>
+                        <a:spcAft>
+                          <a:spcPts val="0"/>
+                        </a:spcAft>
+                        <a:buClrTx/>
+                        <a:buSzTx/>
+                        <a:buFontTx/>
+                        <a:buNone/>
+                        <a:tabLst/>
+                        <a:defRPr/>
+                      </a:pPr>
+                      <a:r>
+                        <a:rPr lang="en-US" altLang="zh-CN" dirty="0"/>
+                        <a:t>#</a:t>
+                      </a:r>
+                      <a:r>
+                        <a:rPr lang="en-US" altLang="zh-CN" dirty="0" err="1"/>
+                        <a:t>table_begin_data</a:t>
+                      </a:r>
+                      <a:r>
+                        <a:rPr lang="en-US" altLang="zh-CN" dirty="0"/>
+                        <a:t>#</a:t>
+                      </a:r>
+                      <a:endParaRPr lang="zh-CN" altLang="en-US" dirty="0"/>
                     </a:p>
                   </a:txBody>
                   <a:tcPr/>
                 </a:tc>
-                <a:tc>
-                  <a:txBody>
-                    <a:bodyPr/>
-                    <a:lstStyle/>
-                    <a:p>
-                      <a:endParaRPr lang="zh-CN" altLang="en-US"/>
-                    </a:p>
-                  </a:txBody>
-                  <a:tcPr/>
-                </a:tc>
-                <a:tc>
-                  <a:txBody>
-                    <a:bodyPr/>
-                    <a:lstStyle/>
-                    <a:p>
-                      <a:endParaRPr lang="zh-CN" altLang="en-US"/>
-                    </a:p>
-                  </a:txBody>
-                  <a:tcPr/>
-                </a:tc>
-                <a:extLst>
-                  <a:ext uri="{0D108BD9-81ED-4DB2-BD59-A6C34878D82A}">
-                    <a16:rowId xmlns:a16="http://schemas.microsoft.com/office/drawing/2014/main" val="91059604"/>
-                  </a:ext>
-                </a:extLst>
-              </a:tr>
-              <a:tr h="370840">
                 <a:tc>
                   <a:txBody>
                     <a:bodyPr/>
@@ -4323,6 +5831,39 @@
                   </a:txBody>
                   <a:tcPr/>
                 </a:tc>
+                <a:extLst>
+                  <a:ext uri="{0D108BD9-81ED-4DB2-BD59-A6C34878D82A}">
+                    <a16:rowId xmlns:a16="http://schemas.microsoft.com/office/drawing/2014/main" val="10001"/>
+                  </a:ext>
+                </a:extLst>
+              </a:tr>
+              <a:tr h="370840">
+                <a:tc>
+                  <a:txBody>
+                    <a:bodyPr/>
+                    <a:lstStyle/>
+                    <a:p>
+                      <a:pPr marL="0" marR="0" lvl="0" indent="0" algn="l" defTabSz="914400" rtl="0" eaLnBrk="1" fontAlgn="auto" latinLnBrk="0" hangingPunct="1">
+                        <a:lnSpc>
+                          <a:spcPct val="100000"/>
+                        </a:lnSpc>
+                        <a:spcBef>
+                          <a:spcPts val="0"/>
+                        </a:spcBef>
+                        <a:spcAft>
+                          <a:spcPts val="0"/>
+                        </a:spcAft>
+                        <a:buClrTx/>
+                        <a:buSzTx/>
+                        <a:buFontTx/>
+                        <a:buNone/>
+                        <a:defRPr/>
+                      </a:pPr>
+                      <a:endParaRPr lang="zh-CN" altLang="en-US" dirty="0"/>
+                    </a:p>
+                  </a:txBody>
+                  <a:tcPr/>
+                </a:tc>
                 <a:tc>
                   <a:txBody>
                     <a:bodyPr/>
@@ -4355,7 +5896,7 @@
                 </a:tc>
                 <a:extLst>
                   <a:ext uri="{0D108BD9-81ED-4DB2-BD59-A6C34878D82A}">
-                    <a16:rowId xmlns:a16="http://schemas.microsoft.com/office/drawing/2014/main" val="3490305834"/>
+                    <a16:rowId xmlns:a16="http://schemas.microsoft.com/office/drawing/2014/main" val="10002"/>
                   </a:ext>
                 </a:extLst>
               </a:tr>
@@ -4379,21 +5920,71 @@
                         <a:buSzTx/>
                         <a:buFontTx/>
                         <a:buNone/>
-                        <a:tabLst/>
                         <a:defRPr/>
                       </a:pPr>
-                      <a:r>
-                        <a:rPr lang="en-US" altLang="zh-CN" dirty="0"/>
-                        <a:t>#</a:t>
-                      </a:r>
-                      <a:r>
-                        <a:rPr lang="en-US" altLang="zh-CN" dirty="0" err="1"/>
-                        <a:t>table_begin_data</a:t>
-                      </a:r>
-                      <a:r>
-                        <a:rPr lang="en-US" altLang="zh-CN"/>
-                        <a:t>#</a:t>
-                      </a:r>
+                      <a:endParaRPr lang="zh-CN" altLang="en-US" dirty="0"/>
+                    </a:p>
+                  </a:txBody>
+                  <a:tcPr/>
+                </a:tc>
+                <a:tc>
+                  <a:txBody>
+                    <a:bodyPr/>
+                    <a:lstStyle/>
+                    <a:p>
+                      <a:endParaRPr lang="zh-CN" altLang="en-US"/>
+                    </a:p>
+                  </a:txBody>
+                  <a:tcPr/>
+                </a:tc>
+                <a:tc>
+                  <a:txBody>
+                    <a:bodyPr/>
+                    <a:lstStyle/>
+                    <a:p>
+                      <a:endParaRPr lang="zh-CN" altLang="en-US"/>
+                    </a:p>
+                  </a:txBody>
+                  <a:tcPr/>
+                </a:tc>
+                <a:tc>
+                  <a:txBody>
+                    <a:bodyPr/>
+                    <a:lstStyle/>
+                    <a:p>
+                      <a:endParaRPr lang="zh-CN" altLang="en-US"/>
+                    </a:p>
+                  </a:txBody>
+                  <a:tcPr/>
+                </a:tc>
+                <a:extLst>
+                  <a:ext uri="{0D108BD9-81ED-4DB2-BD59-A6C34878D82A}">
+                    <a16:rowId xmlns:a16="http://schemas.microsoft.com/office/drawing/2014/main" val="10003"/>
+                  </a:ext>
+                </a:extLst>
+              </a:tr>
+              <a:tr h="370840">
+                <a:tc>
+                  <a:txBody>
+                    <a:bodyPr/>
+                    <a:lstStyle/>
+                    <a:p>
+                      <a:pPr marL="0" marR="0" lvl="0" indent="0" algn="l" defTabSz="914400" rtl="0" eaLnBrk="1" fontAlgn="auto" latinLnBrk="0" hangingPunct="1">
+                        <a:lnSpc>
+                          <a:spcPct val="100000"/>
+                        </a:lnSpc>
+                        <a:spcBef>
+                          <a:spcPts val="0"/>
+                        </a:spcBef>
+                        <a:spcAft>
+                          <a:spcPts val="0"/>
+                        </a:spcAft>
+                        <a:buClrTx/>
+                        <a:buSzTx/>
+                        <a:buFontTx/>
+                        <a:buNone/>
+                        <a:defRPr/>
+                      </a:pPr>
                       <a:endParaRPr lang="zh-CN" altLang="en-US" dirty="0"/>
                     </a:p>
                   </a:txBody>
@@ -4431,7 +6022,7 @@
                 </a:tc>
                 <a:extLst>
                   <a:ext uri="{0D108BD9-81ED-4DB2-BD59-A6C34878D82A}">
-                    <a16:rowId xmlns:a16="http://schemas.microsoft.com/office/drawing/2014/main" val="2802590490"/>
+                    <a16:rowId xmlns:a16="http://schemas.microsoft.com/office/drawing/2014/main" val="10004"/>
                   </a:ext>
                 </a:extLst>
               </a:tr>
@@ -4441,13 +6032,7 @@
       </p:graphicFrame>
       <p:sp>
         <p:nvSpPr>
-          <p:cNvPr id="3" name="文本框 2">
-            <a:extLst>
-              <a:ext uri="{FF2B5EF4-FFF2-40B4-BE49-F238E27FC236}">
-                <a16:creationId xmlns:a16="http://schemas.microsoft.com/office/drawing/2014/main" id="{6323BCA4-F3B5-431F-8C5D-83CCC131F90B}"/>
-              </a:ext>
-            </a:extLst>
-          </p:cNvPr>
+          <p:cNvPr id="3" name="文本框 2"/>
           <p:cNvSpPr txBox="1"/>
           <p:nvPr/>
         </p:nvSpPr>
@@ -4476,24 +6061,29 @@
               <a:t>长度包含</a:t>
             </a:r>
             <a:r>
+              <a:rPr lang="en-US" altLang="zh-CN" dirty="0"/>
+              <a:t>#MAXLENGTHDEMODEMO</a:t>
+            </a:r>
+            <a:r>
               <a:rPr lang="en-US" altLang="zh-CN"/>
-              <a:t>#MAXLENGTHDEMODEMO# $LICUNZHI$</a:t>
+              <a:t># $LICUNZHI$</a:t>
             </a:r>
             <a:endParaRPr lang="zh-CN" altLang="en-US" dirty="0"/>
           </a:p>
         </p:txBody>
       </p:sp>
     </p:spTree>
-    <p:extLst>
-      <p:ext uri="{BB962C8B-B14F-4D97-AF65-F5344CB8AC3E}">
-        <p14:creationId xmlns:p14="http://schemas.microsoft.com/office/powerpoint/2010/main" val="2467933993"/>
-      </p:ext>
-    </p:extLst>
   </p:cSld>
   <p:clrMapOvr>
     <a:masterClrMapping/>
   </p:clrMapOvr>
 </p:sld>
+</file>
+
+<file path=ppt/tags/tag1.xml><?xml version="1.0" encoding="utf-8"?>
+<p:tagLst xmlns:a="http://schemas.openxmlformats.org/drawingml/2006/main" xmlns:r="http://schemas.openxmlformats.org/officeDocument/2006/relationships" xmlns:p="http://schemas.openxmlformats.org/presentationml/2006/main">
+  <p:tag name="KSO_WM_UNIT_TABLE_BEAUTIFY" val="smartTable{c99eebb0-b38e-4a92-8526-b092770376f6}"/>
+</p:tagLst>
 </file>
 
 <file path=ppt/theme/theme1.xml><?xml version="1.0" encoding="utf-8"?>
@@ -4539,7 +6129,7 @@
     </a:clrScheme>
     <a:fontScheme name="Office">
       <a:majorFont>
-        <a:latin typeface="等线 Light" panose="020F0302020204030204"/>
+        <a:latin typeface="等线 Light"/>
         <a:ea typeface=""/>
         <a:cs typeface=""/>
         <a:font script="Jpan" typeface="游ゴシック Light"/>
@@ -4572,26 +6162,9 @@
         <a:font script="Viet" typeface="Times New Roman"/>
         <a:font script="Uigh" typeface="Microsoft Uighur"/>
         <a:font script="Geor" typeface="Sylfaen"/>
-        <a:font script="Armn" typeface="Arial"/>
-        <a:font script="Bugi" typeface="Leelawadee UI"/>
-        <a:font script="Bopo" typeface="Microsoft JhengHei"/>
-        <a:font script="Java" typeface="Javanese Text"/>
-        <a:font script="Lisu" typeface="Segoe UI"/>
-        <a:font script="Mymr" typeface="Myanmar Text"/>
-        <a:font script="Nkoo" typeface="Ebrima"/>
-        <a:font script="Olck" typeface="Nirmala UI"/>
-        <a:font script="Osma" typeface="Ebrima"/>
-        <a:font script="Phag" typeface="Phagspa"/>
-        <a:font script="Syrn" typeface="Estrangelo Edessa"/>
-        <a:font script="Syrj" typeface="Estrangelo Edessa"/>
-        <a:font script="Syre" typeface="Estrangelo Edessa"/>
-        <a:font script="Sora" typeface="Nirmala UI"/>
-        <a:font script="Tale" typeface="Microsoft Tai Le"/>
-        <a:font script="Talu" typeface="Microsoft New Tai Lue"/>
-        <a:font script="Tfng" typeface="Ebrima"/>
       </a:majorFont>
       <a:minorFont>
-        <a:latin typeface="等线" panose="020F0502020204030204"/>
+        <a:latin typeface="等线"/>
         <a:ea typeface=""/>
         <a:cs typeface=""/>
         <a:font script="Jpan" typeface="游ゴシック"/>
@@ -4624,23 +6197,6 @@
         <a:font script="Viet" typeface="Arial"/>
         <a:font script="Uigh" typeface="Microsoft Uighur"/>
         <a:font script="Geor" typeface="Sylfaen"/>
-        <a:font script="Armn" typeface="Arial"/>
-        <a:font script="Bugi" typeface="Leelawadee UI"/>
-        <a:font script="Bopo" typeface="Microsoft JhengHei"/>
-        <a:font script="Java" typeface="Javanese Text"/>
-        <a:font script="Lisu" typeface="Segoe UI"/>
-        <a:font script="Mymr" typeface="Myanmar Text"/>
-        <a:font script="Nkoo" typeface="Ebrima"/>
-        <a:font script="Olck" typeface="Nirmala UI"/>
-        <a:font script="Osma" typeface="Ebrima"/>
-        <a:font script="Phag" typeface="Phagspa"/>
-        <a:font script="Syrn" typeface="Estrangelo Edessa"/>
-        <a:font script="Syrj" typeface="Estrangelo Edessa"/>
-        <a:font script="Syre" typeface="Estrangelo Edessa"/>
-        <a:font script="Sora" typeface="Nirmala UI"/>
-        <a:font script="Tale" typeface="Microsoft Tai Le"/>
-        <a:font script="Talu" typeface="Microsoft New Tai Lue"/>
-        <a:font script="Tfng" typeface="Ebrima"/>
       </a:minorFont>
     </a:fontScheme>
     <a:fmtScheme name="Office">
